--- a/Git Gud at Git.pptx
+++ b/Git Gud at Git.pptx
@@ -115,7 +115,16 @@
       </a:defRPr>
     </a:lvl9pPr>
   </p:defaultTextStyle>
+  <p:extLst>
+    <p:ext uri="{EFAFB233-063F-42B5-8137-9DF3F51BA10A}">
+      <p15:sldGuideLst xmlns:p15="http://schemas.microsoft.com/office/powerpoint/2012/main"/>
+    </p:ext>
+  </p:extLst>
 </p:presentation>
+</file>
+
+<file path=ppt/revisionInfo.xml><?xml version="1.0" encoding="utf-8"?>
+<p1510:revInfo xmlns:a="http://schemas.openxmlformats.org/drawingml/2006/main" xmlns:r="http://schemas.openxmlformats.org/officeDocument/2006/relationships" xmlns:p1510="http://schemas.microsoft.com/office/powerpoint/2015/10/main"/>
 </file>
 
 <file path=ppt/notesMasters/notesMaster1.xml><?xml version="1.0" encoding="utf-8"?>
@@ -5767,6 +5776,102 @@
           </a:prstGeom>
         </p:spPr>
       </p:pic>
+      <p:pic>
+        <p:nvPicPr>
+          <p:cNvPr id="1026" name="Picture 2" descr="https://c.s-microsoft.com/en-us/CMSImages/ImgOne.jpg?version=D418E733-821C-244F-37F9-DC865BDEFEC0">
+            <a:extLst>
+              <a:ext uri="{FF2B5EF4-FFF2-40B4-BE49-F238E27FC236}">
+                <a16:creationId xmlns:a16="http://schemas.microsoft.com/office/drawing/2014/main" id="{692ACE44-0B8C-4670-8806-7CFB498149E4}"/>
+              </a:ext>
+            </a:extLst>
+          </p:cNvPr>
+          <p:cNvPicPr>
+            <a:picLocks noChangeAspect="1" noChangeArrowheads="1"/>
+          </p:cNvPicPr>
+          <p:nvPr/>
+        </p:nvPicPr>
+        <p:blipFill rotWithShape="1">
+          <a:blip r:embed="rId7">
+            <a:extLst>
+              <a:ext uri="{28A0092B-C50C-407E-A947-70E740481C1C}">
+                <a14:useLocalDpi xmlns:a14="http://schemas.microsoft.com/office/drawing/2010/main" val="0"/>
+              </a:ext>
+            </a:extLst>
+          </a:blip>
+          <a:srcRect l="13383" t="35594" r="13107" b="33418"/>
+          <a:stretch/>
+        </p:blipFill>
+        <p:spPr bwMode="auto">
+          <a:xfrm>
+            <a:off x="4270344" y="1831583"/>
+            <a:ext cx="1567467" cy="381707"/>
+          </a:xfrm>
+          <a:prstGeom prst="rect">
+            <a:avLst/>
+          </a:prstGeom>
+          <a:noFill/>
+          <a:extLst>
+            <a:ext uri="{909E8E84-426E-40DD-AFC4-6F175D3DCCD1}">
+              <a14:hiddenFill xmlns:a14="http://schemas.microsoft.com/office/drawing/2010/main">
+                <a:solidFill>
+                  <a:srgbClr val="FFFFFF"/>
+                </a:solidFill>
+              </a14:hiddenFill>
+            </a:ext>
+          </a:extLst>
+        </p:spPr>
+      </p:pic>
+      <p:sp>
+        <p:nvSpPr>
+          <p:cNvPr id="2" name="TextBox 1">
+            <a:extLst>
+              <a:ext uri="{FF2B5EF4-FFF2-40B4-BE49-F238E27FC236}">
+                <a16:creationId xmlns:a16="http://schemas.microsoft.com/office/drawing/2014/main" id="{E400105F-0247-46D7-8648-C66E3B4CA8CB}"/>
+              </a:ext>
+            </a:extLst>
+          </p:cNvPr>
+          <p:cNvSpPr txBox="1"/>
+          <p:nvPr/>
+        </p:nvSpPr>
+        <p:spPr>
+          <a:xfrm>
+            <a:off x="3910544" y="1812099"/>
+            <a:ext cx="425116" cy="369332"/>
+          </a:xfrm>
+          <a:prstGeom prst="rect">
+            <a:avLst/>
+          </a:prstGeom>
+          <a:noFill/>
+        </p:spPr>
+        <p:txBody>
+          <a:bodyPr wrap="none" rtlCol="0">
+            <a:spAutoFit/>
+          </a:bodyPr>
+          <a:lstStyle/>
+          <a:p>
+            <a:r>
+              <a:rPr lang="en-US" b="1" dirty="0">
+                <a:solidFill>
+                  <a:schemeClr val="bg1">
+                    <a:lumMod val="50000"/>
+                  </a:schemeClr>
+                </a:solidFill>
+              </a:rPr>
+              <a:t>Ft</a:t>
+            </a:r>
+            <a:r>
+              <a:rPr lang="en-US" dirty="0">
+                <a:solidFill>
+                  <a:schemeClr val="bg1">
+                    <a:lumMod val="50000"/>
+                  </a:schemeClr>
+                </a:solidFill>
+              </a:rPr>
+              <a:t>.</a:t>
+            </a:r>
+          </a:p>
+        </p:txBody>
+      </p:sp>
     </p:spTree>
     <p:extLst>
       <p:ext uri="{BB962C8B-B14F-4D97-AF65-F5344CB8AC3E}">

--- a/Git Gud at Git.pptx
+++ b/Git Gud at Git.pptx
@@ -209,7 +209,7 @@
           <a:p>
             <a:fld id="{D22C7FF8-B6BF-42E6-87B9-F9119C9E1264}" type="datetimeFigureOut">
               <a:rPr lang="en-US" smtClean="0"/>
-              <a:t>6/25/2018</a:t>
+              <a:t>6/26/2018</a:t>
             </a:fld>
             <a:endParaRPr lang="en-US" dirty="0"/>
           </a:p>
@@ -1105,7 +1105,7 @@
           <a:p>
             <a:fld id="{2ACC3B57-9C54-4316-895A-185D8B130371}" type="datetimeFigureOut">
               <a:rPr lang="en-US" smtClean="0"/>
-              <a:t>6/25/2018</a:t>
+              <a:t>6/26/2018</a:t>
             </a:fld>
             <a:endParaRPr lang="en-US" dirty="0"/>
           </a:p>
@@ -1303,7 +1303,7 @@
           <a:p>
             <a:fld id="{2ACC3B57-9C54-4316-895A-185D8B130371}" type="datetimeFigureOut">
               <a:rPr lang="en-US" smtClean="0"/>
-              <a:t>6/25/2018</a:t>
+              <a:t>6/26/2018</a:t>
             </a:fld>
             <a:endParaRPr lang="en-US" dirty="0"/>
           </a:p>
@@ -1511,7 +1511,7 @@
           <a:p>
             <a:fld id="{2ACC3B57-9C54-4316-895A-185D8B130371}" type="datetimeFigureOut">
               <a:rPr lang="en-US" smtClean="0"/>
-              <a:t>6/25/2018</a:t>
+              <a:t>6/26/2018</a:t>
             </a:fld>
             <a:endParaRPr lang="en-US" dirty="0"/>
           </a:p>
@@ -1709,7 +1709,7 @@
           <a:p>
             <a:fld id="{2ACC3B57-9C54-4316-895A-185D8B130371}" type="datetimeFigureOut">
               <a:rPr lang="en-US" smtClean="0"/>
-              <a:t>6/25/2018</a:t>
+              <a:t>6/26/2018</a:t>
             </a:fld>
             <a:endParaRPr lang="en-US" dirty="0"/>
           </a:p>
@@ -1984,7 +1984,7 @@
           <a:p>
             <a:fld id="{2ACC3B57-9C54-4316-895A-185D8B130371}" type="datetimeFigureOut">
               <a:rPr lang="en-US" smtClean="0"/>
-              <a:t>6/25/2018</a:t>
+              <a:t>6/26/2018</a:t>
             </a:fld>
             <a:endParaRPr lang="en-US" dirty="0"/>
           </a:p>
@@ -2249,7 +2249,7 @@
           <a:p>
             <a:fld id="{2ACC3B57-9C54-4316-895A-185D8B130371}" type="datetimeFigureOut">
               <a:rPr lang="en-US" smtClean="0"/>
-              <a:t>6/25/2018</a:t>
+              <a:t>6/26/2018</a:t>
             </a:fld>
             <a:endParaRPr lang="en-US" dirty="0"/>
           </a:p>
@@ -2661,7 +2661,7 @@
           <a:p>
             <a:fld id="{2ACC3B57-9C54-4316-895A-185D8B130371}" type="datetimeFigureOut">
               <a:rPr lang="en-US" smtClean="0"/>
-              <a:t>6/25/2018</a:t>
+              <a:t>6/26/2018</a:t>
             </a:fld>
             <a:endParaRPr lang="en-US" dirty="0"/>
           </a:p>
@@ -2802,7 +2802,7 @@
           <a:p>
             <a:fld id="{2ACC3B57-9C54-4316-895A-185D8B130371}" type="datetimeFigureOut">
               <a:rPr lang="en-US" smtClean="0"/>
-              <a:t>6/25/2018</a:t>
+              <a:t>6/26/2018</a:t>
             </a:fld>
             <a:endParaRPr lang="en-US" dirty="0"/>
           </a:p>
@@ -2915,7 +2915,7 @@
           <a:p>
             <a:fld id="{2ACC3B57-9C54-4316-895A-185D8B130371}" type="datetimeFigureOut">
               <a:rPr lang="en-US" smtClean="0"/>
-              <a:t>6/25/2018</a:t>
+              <a:t>6/26/2018</a:t>
             </a:fld>
             <a:endParaRPr lang="en-US" dirty="0"/>
           </a:p>
@@ -3226,7 +3226,7 @@
           <a:p>
             <a:fld id="{2ACC3B57-9C54-4316-895A-185D8B130371}" type="datetimeFigureOut">
               <a:rPr lang="en-US" smtClean="0"/>
-              <a:t>6/25/2018</a:t>
+              <a:t>6/26/2018</a:t>
             </a:fld>
             <a:endParaRPr lang="en-US" dirty="0"/>
           </a:p>
@@ -3514,7 +3514,7 @@
           <a:p>
             <a:fld id="{2ACC3B57-9C54-4316-895A-185D8B130371}" type="datetimeFigureOut">
               <a:rPr lang="en-US" smtClean="0"/>
-              <a:t>6/25/2018</a:t>
+              <a:t>6/26/2018</a:t>
             </a:fld>
             <a:endParaRPr lang="en-US" dirty="0"/>
           </a:p>
@@ -3755,7 +3755,7 @@
           <a:p>
             <a:fld id="{2ACC3B57-9C54-4316-895A-185D8B130371}" type="datetimeFigureOut">
               <a:rPr lang="en-US" smtClean="0"/>
-              <a:t>6/25/2018</a:t>
+              <a:t>6/26/2018</a:t>
             </a:fld>
             <a:endParaRPr lang="en-US" dirty="0"/>
           </a:p>
@@ -6284,6 +6284,216 @@
           <a:chExt cx="0" cy="0"/>
         </a:xfrm>
       </p:grpSpPr>
+      <p:pic>
+        <p:nvPicPr>
+          <p:cNvPr id="1026" name="Picture 2" descr="Image result for git commit push">
+            <a:extLst>
+              <a:ext uri="{FF2B5EF4-FFF2-40B4-BE49-F238E27FC236}">
+                <a16:creationId xmlns:a16="http://schemas.microsoft.com/office/drawing/2014/main" id="{AF200D44-C4DA-427B-80A2-4DE4ED8ECA8B}"/>
+              </a:ext>
+            </a:extLst>
+          </p:cNvPr>
+          <p:cNvPicPr>
+            <a:picLocks noChangeAspect="1" noChangeArrowheads="1"/>
+          </p:cNvPicPr>
+          <p:nvPr/>
+        </p:nvPicPr>
+        <p:blipFill>
+          <a:blip r:embed="rId2">
+            <a:extLst>
+              <a:ext uri="{28A0092B-C50C-407E-A947-70E740481C1C}">
+                <a14:useLocalDpi xmlns:a14="http://schemas.microsoft.com/office/drawing/2010/main" val="0"/>
+              </a:ext>
+            </a:extLst>
+          </a:blip>
+          <a:srcRect/>
+          <a:stretch>
+            <a:fillRect/>
+          </a:stretch>
+        </p:blipFill>
+        <p:spPr bwMode="auto">
+          <a:xfrm>
+            <a:off x="3797300" y="0"/>
+            <a:ext cx="8394700" cy="6858000"/>
+          </a:xfrm>
+          <a:prstGeom prst="rect">
+            <a:avLst/>
+          </a:prstGeom>
+          <a:noFill/>
+          <a:extLst>
+            <a:ext uri="{909E8E84-426E-40DD-AFC4-6F175D3DCCD1}">
+              <a14:hiddenFill xmlns:a14="http://schemas.microsoft.com/office/drawing/2010/main">
+                <a:solidFill>
+                  <a:srgbClr val="FFFFFF"/>
+                </a:solidFill>
+              </a14:hiddenFill>
+            </a:ext>
+          </a:extLst>
+        </p:spPr>
+      </p:pic>
+      <p:sp>
+        <p:nvSpPr>
+          <p:cNvPr id="2" name="TextBox 1">
+            <a:extLst>
+              <a:ext uri="{FF2B5EF4-FFF2-40B4-BE49-F238E27FC236}">
+                <a16:creationId xmlns:a16="http://schemas.microsoft.com/office/drawing/2014/main" id="{FED7273D-FED7-49E1-A43C-F11412A4A94B}"/>
+              </a:ext>
+            </a:extLst>
+          </p:cNvPr>
+          <p:cNvSpPr txBox="1"/>
+          <p:nvPr/>
+        </p:nvSpPr>
+        <p:spPr>
+          <a:xfrm>
+            <a:off x="250560" y="346841"/>
+            <a:ext cx="3546740" cy="923330"/>
+          </a:xfrm>
+          <a:prstGeom prst="rect">
+            <a:avLst/>
+          </a:prstGeom>
+          <a:noFill/>
+        </p:spPr>
+        <p:txBody>
+          <a:bodyPr wrap="none" rtlCol="0">
+            <a:spAutoFit/>
+          </a:bodyPr>
+          <a:lstStyle/>
+          <a:p>
+            <a:pPr algn="ctr"/>
+            <a:r>
+              <a:rPr lang="en-US" sz="5400" dirty="0">
+                <a:latin typeface="Franklin Gothic Heavy" panose="020B0903020102020204" pitchFamily="34" charset="0"/>
+              </a:rPr>
+              <a:t>Exercise 1</a:t>
+            </a:r>
+            <a:endParaRPr lang="en-US" sz="5400" dirty="0"/>
+          </a:p>
+        </p:txBody>
+      </p:sp>
+      <p:sp>
+        <p:nvSpPr>
+          <p:cNvPr id="3" name="TextBox 2">
+            <a:extLst>
+              <a:ext uri="{FF2B5EF4-FFF2-40B4-BE49-F238E27FC236}">
+                <a16:creationId xmlns:a16="http://schemas.microsoft.com/office/drawing/2014/main" id="{8A76D6F0-770A-4EB0-83DB-BEEE2878A806}"/>
+              </a:ext>
+            </a:extLst>
+          </p:cNvPr>
+          <p:cNvSpPr txBox="1"/>
+          <p:nvPr/>
+        </p:nvSpPr>
+        <p:spPr>
+          <a:xfrm>
+            <a:off x="548788" y="4740166"/>
+            <a:ext cx="2950295" cy="1323439"/>
+          </a:xfrm>
+          <a:prstGeom prst="rect">
+            <a:avLst/>
+          </a:prstGeom>
+          <a:noFill/>
+        </p:spPr>
+        <p:txBody>
+          <a:bodyPr wrap="none" rtlCol="0">
+            <a:spAutoFit/>
+          </a:bodyPr>
+          <a:lstStyle/>
+          <a:p>
+            <a:pPr algn="ctr"/>
+            <a:r>
+              <a:rPr lang="en-US" sz="4000" dirty="0">
+                <a:latin typeface="Franklin Gothic Demi" panose="020B0703020102020204" pitchFamily="34" charset="0"/>
+              </a:rPr>
+              <a:t>Instructions</a:t>
+            </a:r>
+            <a:br>
+              <a:rPr lang="en-US" sz="4000" dirty="0">
+                <a:latin typeface="Franklin Gothic Demi" panose="020B0703020102020204" pitchFamily="34" charset="0"/>
+              </a:rPr>
+            </a:br>
+            <a:r>
+              <a:rPr lang="en-US" sz="4000" dirty="0">
+                <a:latin typeface="Franklin Gothic Demi" panose="020B0703020102020204" pitchFamily="34" charset="0"/>
+              </a:rPr>
+              <a:t>Found </a:t>
+            </a:r>
+            <a:r>
+              <a:rPr lang="en-US" sz="4000" dirty="0">
+                <a:latin typeface="Franklin Gothic Demi" panose="020B0703020102020204" pitchFamily="34" charset="0"/>
+                <a:hlinkClick r:id="rId3"/>
+              </a:rPr>
+              <a:t>HERE</a:t>
+            </a:r>
+            <a:endParaRPr lang="en-US" sz="4000" dirty="0">
+              <a:latin typeface="Franklin Gothic Demi" panose="020B0703020102020204" pitchFamily="34" charset="0"/>
+            </a:endParaRPr>
+          </a:p>
+        </p:txBody>
+      </p:sp>
+      <p:sp>
+        <p:nvSpPr>
+          <p:cNvPr id="5" name="TextBox 4">
+            <a:extLst>
+              <a:ext uri="{FF2B5EF4-FFF2-40B4-BE49-F238E27FC236}">
+                <a16:creationId xmlns:a16="http://schemas.microsoft.com/office/drawing/2014/main" id="{554273EB-C871-42C7-AA63-818586B84A61}"/>
+              </a:ext>
+            </a:extLst>
+          </p:cNvPr>
+          <p:cNvSpPr txBox="1"/>
+          <p:nvPr/>
+        </p:nvSpPr>
+        <p:spPr>
+          <a:xfrm>
+            <a:off x="211580" y="1681729"/>
+            <a:ext cx="3624710" cy="2554545"/>
+          </a:xfrm>
+          <a:prstGeom prst="rect">
+            <a:avLst/>
+          </a:prstGeom>
+          <a:noFill/>
+        </p:spPr>
+        <p:txBody>
+          <a:bodyPr wrap="none" rtlCol="0">
+            <a:spAutoFit/>
+          </a:bodyPr>
+          <a:lstStyle/>
+          <a:p>
+            <a:pPr algn="ctr"/>
+            <a:r>
+              <a:rPr lang="en-US" sz="4000" dirty="0">
+                <a:latin typeface="Franklin Gothic Demi" panose="020B0703020102020204" pitchFamily="34" charset="0"/>
+              </a:rPr>
+              <a:t>Create a Repo</a:t>
+            </a:r>
+            <a:br>
+              <a:rPr lang="en-US" sz="4000" dirty="0">
+                <a:latin typeface="Franklin Gothic Demi" panose="020B0703020102020204" pitchFamily="34" charset="0"/>
+              </a:rPr>
+            </a:br>
+            <a:br>
+              <a:rPr lang="en-US" sz="4000" dirty="0">
+                <a:latin typeface="Franklin Gothic Demi" panose="020B0703020102020204" pitchFamily="34" charset="0"/>
+              </a:rPr>
+            </a:br>
+            <a:r>
+              <a:rPr lang="en-US" sz="4000" dirty="0">
+                <a:latin typeface="Franklin Gothic Demi" panose="020B0703020102020204" pitchFamily="34" charset="0"/>
+              </a:rPr>
+              <a:t>Clone, Commit,</a:t>
+            </a:r>
+            <a:br>
+              <a:rPr lang="en-US" sz="4000" dirty="0">
+                <a:latin typeface="Franklin Gothic Demi" panose="020B0703020102020204" pitchFamily="34" charset="0"/>
+              </a:rPr>
+            </a:br>
+            <a:r>
+              <a:rPr lang="en-US" sz="4000" dirty="0">
+                <a:latin typeface="Franklin Gothic Demi" panose="020B0703020102020204" pitchFamily="34" charset="0"/>
+              </a:rPr>
+              <a:t>Push</a:t>
+            </a:r>
+          </a:p>
+        </p:txBody>
+      </p:sp>
     </p:spTree>
     <p:extLst>
       <p:ext uri="{BB962C8B-B14F-4D97-AF65-F5344CB8AC3E}">

--- a/Git Gud at Git.pptx
+++ b/Git Gud at Git.pptx
@@ -5,18 +5,19 @@
     <p:sldMasterId id="2147483648" r:id="rId1"/>
   </p:sldMasterIdLst>
   <p:notesMasterIdLst>
-    <p:notesMasterId r:id="rId11"/>
+    <p:notesMasterId r:id="rId12"/>
   </p:notesMasterIdLst>
   <p:sldIdLst>
     <p:sldId id="256" r:id="rId2"/>
     <p:sldId id="262" r:id="rId3"/>
     <p:sldId id="258" r:id="rId4"/>
     <p:sldId id="259" r:id="rId5"/>
-    <p:sldId id="260" r:id="rId6"/>
-    <p:sldId id="261" r:id="rId7"/>
-    <p:sldId id="263" r:id="rId8"/>
-    <p:sldId id="264" r:id="rId9"/>
-    <p:sldId id="257" r:id="rId10"/>
+    <p:sldId id="265" r:id="rId6"/>
+    <p:sldId id="260" r:id="rId7"/>
+    <p:sldId id="261" r:id="rId8"/>
+    <p:sldId id="263" r:id="rId9"/>
+    <p:sldId id="264" r:id="rId10"/>
+    <p:sldId id="257" r:id="rId11"/>
   </p:sldIdLst>
   <p:sldSz cx="12192000" cy="6858000"/>
   <p:notesSz cx="6858000" cy="9144000"/>
@@ -116,6 +117,24 @@
     </a:lvl9pPr>
   </p:defaultTextStyle>
   <p:extLst>
+    <p:ext uri="{521415D9-36F7-43E2-AB2F-B90AF26B5E84}">
+      <p14:sectionLst xmlns:p14="http://schemas.microsoft.com/office/powerpoint/2010/main">
+        <p14:section name="Default Section" id="{C21EA66D-C54B-4426-ACEE-93CE34CECC8F}">
+          <p14:sldIdLst>
+            <p14:sldId id="256"/>
+            <p14:sldId id="262"/>
+            <p14:sldId id="258"/>
+            <p14:sldId id="259"/>
+            <p14:sldId id="265"/>
+            <p14:sldId id="260"/>
+            <p14:sldId id="261"/>
+            <p14:sldId id="263"/>
+            <p14:sldId id="264"/>
+            <p14:sldId id="257"/>
+          </p14:sldIdLst>
+        </p14:section>
+      </p14:sectionLst>
+    </p:ext>
     <p:ext uri="{EFAFB233-063F-42B5-8137-9DF3F51BA10A}">
       <p15:sldGuideLst xmlns:p15="http://schemas.microsoft.com/office/powerpoint/2012/main"/>
     </p:ext>
@@ -209,7 +228,7 @@
           <a:p>
             <a:fld id="{D22C7FF8-B6BF-42E6-87B9-F9119C9E1264}" type="datetimeFigureOut">
               <a:rPr lang="en-US" smtClean="0"/>
-              <a:t>6/26/2018</a:t>
+              <a:t>7/12/2018</a:t>
             </a:fld>
             <a:endParaRPr lang="en-US" dirty="0"/>
           </a:p>
@@ -855,7 +874,7 @@
           <a:p>
             <a:fld id="{A122E15F-563F-4F7E-9740-2DB904717BA3}" type="slidenum">
               <a:rPr lang="en-US" smtClean="0"/>
-              <a:t>6</a:t>
+              <a:t>5</a:t>
             </a:fld>
             <a:endParaRPr lang="en-US"/>
           </a:p>
@@ -864,7 +883,7 @@
     </p:spTree>
     <p:extLst>
       <p:ext uri="{BB962C8B-B14F-4D97-AF65-F5344CB8AC3E}">
-        <p14:creationId xmlns:p14="http://schemas.microsoft.com/office/powerpoint/2010/main" val="2085947604"/>
+        <p14:creationId xmlns:p14="http://schemas.microsoft.com/office/powerpoint/2010/main" val="2048996413"/>
       </p:ext>
     </p:extLst>
   </p:cSld>
@@ -940,6 +959,90 @@
             <a:fld id="{A122E15F-563F-4F7E-9740-2DB904717BA3}" type="slidenum">
               <a:rPr lang="en-US" smtClean="0"/>
               <a:t>7</a:t>
+            </a:fld>
+            <a:endParaRPr lang="en-US"/>
+          </a:p>
+        </p:txBody>
+      </p:sp>
+    </p:spTree>
+    <p:extLst>
+      <p:ext uri="{BB962C8B-B14F-4D97-AF65-F5344CB8AC3E}">
+        <p14:creationId xmlns:p14="http://schemas.microsoft.com/office/powerpoint/2010/main" val="2085947604"/>
+      </p:ext>
+    </p:extLst>
+  </p:cSld>
+  <p:clrMapOvr>
+    <a:masterClrMapping/>
+  </p:clrMapOvr>
+</p:notes>
+</file>
+
+<file path=ppt/notesSlides/notesSlide6.xml><?xml version="1.0" encoding="utf-8"?>
+<p:notes xmlns:a="http://schemas.openxmlformats.org/drawingml/2006/main" xmlns:r="http://schemas.openxmlformats.org/officeDocument/2006/relationships" xmlns:p="http://schemas.openxmlformats.org/presentationml/2006/main">
+  <p:cSld>
+    <p:spTree>
+      <p:nvGrpSpPr>
+        <p:cNvPr id="1" name=""/>
+        <p:cNvGrpSpPr/>
+        <p:nvPr/>
+      </p:nvGrpSpPr>
+      <p:grpSpPr>
+        <a:xfrm>
+          <a:off x="0" y="0"/>
+          <a:ext cx="0" cy="0"/>
+          <a:chOff x="0" y="0"/>
+          <a:chExt cx="0" cy="0"/>
+        </a:xfrm>
+      </p:grpSpPr>
+      <p:sp>
+        <p:nvSpPr>
+          <p:cNvPr id="2" name="Slide Image Placeholder 1"/>
+          <p:cNvSpPr>
+            <a:spLocks noGrp="1" noRot="1" noChangeAspect="1"/>
+          </p:cNvSpPr>
+          <p:nvPr>
+            <p:ph type="sldImg"/>
+          </p:nvPr>
+        </p:nvSpPr>
+        <p:spPr/>
+      </p:sp>
+      <p:sp>
+        <p:nvSpPr>
+          <p:cNvPr id="3" name="Notes Placeholder 2"/>
+          <p:cNvSpPr>
+            <a:spLocks noGrp="1"/>
+          </p:cNvSpPr>
+          <p:nvPr>
+            <p:ph type="body" idx="1"/>
+          </p:nvPr>
+        </p:nvSpPr>
+        <p:spPr/>
+        <p:txBody>
+          <a:bodyPr/>
+          <a:lstStyle/>
+          <a:p>
+            <a:endParaRPr lang="en-US" dirty="0"/>
+          </a:p>
+        </p:txBody>
+      </p:sp>
+      <p:sp>
+        <p:nvSpPr>
+          <p:cNvPr id="4" name="Slide Number Placeholder 3"/>
+          <p:cNvSpPr>
+            <a:spLocks noGrp="1"/>
+          </p:cNvSpPr>
+          <p:nvPr>
+            <p:ph type="sldNum" sz="quarter" idx="10"/>
+          </p:nvPr>
+        </p:nvSpPr>
+        <p:spPr/>
+        <p:txBody>
+          <a:bodyPr/>
+          <a:lstStyle/>
+          <a:p>
+            <a:fld id="{A122E15F-563F-4F7E-9740-2DB904717BA3}" type="slidenum">
+              <a:rPr lang="en-US" smtClean="0"/>
+              <a:t>8</a:t>
             </a:fld>
             <a:endParaRPr lang="en-US" dirty="0"/>
           </a:p>
@@ -1105,7 +1208,7 @@
           <a:p>
             <a:fld id="{2ACC3B57-9C54-4316-895A-185D8B130371}" type="datetimeFigureOut">
               <a:rPr lang="en-US" smtClean="0"/>
-              <a:t>6/26/2018</a:t>
+              <a:t>7/12/2018</a:t>
             </a:fld>
             <a:endParaRPr lang="en-US" dirty="0"/>
           </a:p>
@@ -1303,7 +1406,7 @@
           <a:p>
             <a:fld id="{2ACC3B57-9C54-4316-895A-185D8B130371}" type="datetimeFigureOut">
               <a:rPr lang="en-US" smtClean="0"/>
-              <a:t>6/26/2018</a:t>
+              <a:t>7/12/2018</a:t>
             </a:fld>
             <a:endParaRPr lang="en-US" dirty="0"/>
           </a:p>
@@ -1511,7 +1614,7 @@
           <a:p>
             <a:fld id="{2ACC3B57-9C54-4316-895A-185D8B130371}" type="datetimeFigureOut">
               <a:rPr lang="en-US" smtClean="0"/>
-              <a:t>6/26/2018</a:t>
+              <a:t>7/12/2018</a:t>
             </a:fld>
             <a:endParaRPr lang="en-US" dirty="0"/>
           </a:p>
@@ -1709,7 +1812,7 @@
           <a:p>
             <a:fld id="{2ACC3B57-9C54-4316-895A-185D8B130371}" type="datetimeFigureOut">
               <a:rPr lang="en-US" smtClean="0"/>
-              <a:t>6/26/2018</a:t>
+              <a:t>7/12/2018</a:t>
             </a:fld>
             <a:endParaRPr lang="en-US" dirty="0"/>
           </a:p>
@@ -1984,7 +2087,7 @@
           <a:p>
             <a:fld id="{2ACC3B57-9C54-4316-895A-185D8B130371}" type="datetimeFigureOut">
               <a:rPr lang="en-US" smtClean="0"/>
-              <a:t>6/26/2018</a:t>
+              <a:t>7/12/2018</a:t>
             </a:fld>
             <a:endParaRPr lang="en-US" dirty="0"/>
           </a:p>
@@ -2249,7 +2352,7 @@
           <a:p>
             <a:fld id="{2ACC3B57-9C54-4316-895A-185D8B130371}" type="datetimeFigureOut">
               <a:rPr lang="en-US" smtClean="0"/>
-              <a:t>6/26/2018</a:t>
+              <a:t>7/12/2018</a:t>
             </a:fld>
             <a:endParaRPr lang="en-US" dirty="0"/>
           </a:p>
@@ -2661,7 +2764,7 @@
           <a:p>
             <a:fld id="{2ACC3B57-9C54-4316-895A-185D8B130371}" type="datetimeFigureOut">
               <a:rPr lang="en-US" smtClean="0"/>
-              <a:t>6/26/2018</a:t>
+              <a:t>7/12/2018</a:t>
             </a:fld>
             <a:endParaRPr lang="en-US" dirty="0"/>
           </a:p>
@@ -2802,7 +2905,7 @@
           <a:p>
             <a:fld id="{2ACC3B57-9C54-4316-895A-185D8B130371}" type="datetimeFigureOut">
               <a:rPr lang="en-US" smtClean="0"/>
-              <a:t>6/26/2018</a:t>
+              <a:t>7/12/2018</a:t>
             </a:fld>
             <a:endParaRPr lang="en-US" dirty="0"/>
           </a:p>
@@ -2915,7 +3018,7 @@
           <a:p>
             <a:fld id="{2ACC3B57-9C54-4316-895A-185D8B130371}" type="datetimeFigureOut">
               <a:rPr lang="en-US" smtClean="0"/>
-              <a:t>6/26/2018</a:t>
+              <a:t>7/12/2018</a:t>
             </a:fld>
             <a:endParaRPr lang="en-US" dirty="0"/>
           </a:p>
@@ -3226,7 +3329,7 @@
           <a:p>
             <a:fld id="{2ACC3B57-9C54-4316-895A-185D8B130371}" type="datetimeFigureOut">
               <a:rPr lang="en-US" smtClean="0"/>
-              <a:t>6/26/2018</a:t>
+              <a:t>7/12/2018</a:t>
             </a:fld>
             <a:endParaRPr lang="en-US" dirty="0"/>
           </a:p>
@@ -3514,7 +3617,7 @@
           <a:p>
             <a:fld id="{2ACC3B57-9C54-4316-895A-185D8B130371}" type="datetimeFigureOut">
               <a:rPr lang="en-US" smtClean="0"/>
-              <a:t>6/26/2018</a:t>
+              <a:t>7/12/2018</a:t>
             </a:fld>
             <a:endParaRPr lang="en-US" dirty="0"/>
           </a:p>
@@ -3755,7 +3858,7 @@
           <a:p>
             <a:fld id="{2ACC3B57-9C54-4316-895A-185D8B130371}" type="datetimeFigureOut">
               <a:rPr lang="en-US" smtClean="0"/>
-              <a:t>6/26/2018</a:t>
+              <a:t>7/12/2018</a:t>
             </a:fld>
             <a:endParaRPr lang="en-US" dirty="0"/>
           </a:p>
@@ -4367,6 +4470,83 @@
 </p:sld>
 </file>
 
+<file path=ppt/slides/slide10.xml><?xml version="1.0" encoding="utf-8"?>
+<p:sld xmlns:a="http://schemas.openxmlformats.org/drawingml/2006/main" xmlns:r="http://schemas.openxmlformats.org/officeDocument/2006/relationships" xmlns:p="http://schemas.openxmlformats.org/presentationml/2006/main">
+  <p:cSld>
+    <p:spTree>
+      <p:nvGrpSpPr>
+        <p:cNvPr id="1" name=""/>
+        <p:cNvGrpSpPr/>
+        <p:nvPr/>
+      </p:nvGrpSpPr>
+      <p:grpSpPr>
+        <a:xfrm>
+          <a:off x="0" y="0"/>
+          <a:ext cx="0" cy="0"/>
+          <a:chOff x="0" y="0"/>
+          <a:chExt cx="0" cy="0"/>
+        </a:xfrm>
+      </p:grpSpPr>
+      <p:pic>
+        <p:nvPicPr>
+          <p:cNvPr id="1026" name="Picture 2" descr="https://cdn-images-1.medium.com/max/2000/0*3iJLQaoQI66YJuQk.jpg">
+            <a:extLst>
+              <a:ext uri="{FF2B5EF4-FFF2-40B4-BE49-F238E27FC236}">
+                <a16:creationId xmlns:a16="http://schemas.microsoft.com/office/drawing/2014/main" id="{12DD256B-06D1-4836-A692-52BD21352EE9}"/>
+              </a:ext>
+            </a:extLst>
+          </p:cNvPr>
+          <p:cNvPicPr>
+            <a:picLocks noChangeAspect="1" noChangeArrowheads="1"/>
+          </p:cNvPicPr>
+          <p:nvPr/>
+        </p:nvPicPr>
+        <p:blipFill>
+          <a:blip r:embed="rId2">
+            <a:extLst>
+              <a:ext uri="{28A0092B-C50C-407E-A947-70E740481C1C}">
+                <a14:useLocalDpi xmlns:a14="http://schemas.microsoft.com/office/drawing/2010/main" val="0"/>
+              </a:ext>
+            </a:extLst>
+          </a:blip>
+          <a:srcRect/>
+          <a:stretch>
+            <a:fillRect/>
+          </a:stretch>
+        </p:blipFill>
+        <p:spPr bwMode="auto">
+          <a:xfrm>
+            <a:off x="0" y="0"/>
+            <a:ext cx="12192000" cy="6858000"/>
+          </a:xfrm>
+          <a:prstGeom prst="rect">
+            <a:avLst/>
+          </a:prstGeom>
+          <a:noFill/>
+          <a:extLst>
+            <a:ext uri="{909E8E84-426E-40DD-AFC4-6F175D3DCCD1}">
+              <a14:hiddenFill xmlns:a14="http://schemas.microsoft.com/office/drawing/2010/main">
+                <a:solidFill>
+                  <a:srgbClr val="FFFFFF"/>
+                </a:solidFill>
+              </a14:hiddenFill>
+            </a:ext>
+          </a:extLst>
+        </p:spPr>
+      </p:pic>
+    </p:spTree>
+    <p:extLst>
+      <p:ext uri="{BB962C8B-B14F-4D97-AF65-F5344CB8AC3E}">
+        <p14:creationId xmlns:p14="http://schemas.microsoft.com/office/powerpoint/2010/main" val="2781212354"/>
+      </p:ext>
+    </p:extLst>
+  </p:cSld>
+  <p:clrMapOvr>
+    <a:masterClrMapping/>
+  </p:clrMapOvr>
+</p:sld>
+</file>
+
 <file path=ppt/slides/slide2.xml><?xml version="1.0" encoding="utf-8"?>
 <p:sld xmlns:a="http://schemas.openxmlformats.org/drawingml/2006/main" xmlns:r="http://schemas.openxmlformats.org/officeDocument/2006/relationships" xmlns:p="http://schemas.openxmlformats.org/presentationml/2006/main">
   <p:cSld>
@@ -5888,6 +6068,188 @@
 <file path=ppt/slides/slide5.xml><?xml version="1.0" encoding="utf-8"?>
 <p:sld xmlns:a="http://schemas.openxmlformats.org/drawingml/2006/main" xmlns:r="http://schemas.openxmlformats.org/officeDocument/2006/relationships" xmlns:p="http://schemas.openxmlformats.org/presentationml/2006/main">
   <p:cSld>
+    <p:spTree>
+      <p:nvGrpSpPr>
+        <p:cNvPr id="1" name=""/>
+        <p:cNvGrpSpPr/>
+        <p:nvPr/>
+      </p:nvGrpSpPr>
+      <p:grpSpPr>
+        <a:xfrm>
+          <a:off x="0" y="0"/>
+          <a:ext cx="0" cy="0"/>
+          <a:chOff x="0" y="0"/>
+          <a:chExt cx="0" cy="0"/>
+        </a:xfrm>
+      </p:grpSpPr>
+      <p:sp>
+        <p:nvSpPr>
+          <p:cNvPr id="2" name="Title 1">
+            <a:extLst>
+              <a:ext uri="{FF2B5EF4-FFF2-40B4-BE49-F238E27FC236}">
+                <a16:creationId xmlns:a16="http://schemas.microsoft.com/office/drawing/2014/main" id="{38E4A322-D0D6-4FB4-AD79-41F0E630F0F9}"/>
+              </a:ext>
+            </a:extLst>
+          </p:cNvPr>
+          <p:cNvSpPr>
+            <a:spLocks noGrp="1"/>
+          </p:cNvSpPr>
+          <p:nvPr>
+            <p:ph type="title"/>
+          </p:nvPr>
+        </p:nvSpPr>
+        <p:spPr>
+          <a:xfrm>
+            <a:off x="838200" y="365125"/>
+            <a:ext cx="2979057" cy="1325563"/>
+          </a:xfrm>
+        </p:spPr>
+        <p:txBody>
+          <a:bodyPr>
+            <a:normAutofit/>
+          </a:bodyPr>
+          <a:lstStyle/>
+          <a:p>
+            <a:r>
+              <a:rPr lang="en-US" sz="8000" dirty="0">
+                <a:latin typeface="Franklin Gothic Heavy" panose="020B0903020102020204" pitchFamily="34" charset="0"/>
+              </a:rPr>
+              <a:t>Why?</a:t>
+            </a:r>
+          </a:p>
+        </p:txBody>
+      </p:sp>
+      <p:pic>
+        <p:nvPicPr>
+          <p:cNvPr id="5" name="Picture 2" descr="Version control XKCD style">
+            <a:extLst>
+              <a:ext uri="{FF2B5EF4-FFF2-40B4-BE49-F238E27FC236}">
+                <a16:creationId xmlns:a16="http://schemas.microsoft.com/office/drawing/2014/main" id="{7A9547C9-6846-4E53-957D-2D082534805A}"/>
+              </a:ext>
+            </a:extLst>
+          </p:cNvPr>
+          <p:cNvPicPr>
+            <a:picLocks noChangeAspect="1" noChangeArrowheads="1"/>
+          </p:cNvPicPr>
+          <p:nvPr/>
+        </p:nvPicPr>
+        <p:blipFill>
+          <a:blip r:embed="rId3">
+            <a:extLst>
+              <a:ext uri="{28A0092B-C50C-407E-A947-70E740481C1C}">
+                <a14:useLocalDpi xmlns:a14="http://schemas.microsoft.com/office/drawing/2010/main" val="0"/>
+              </a:ext>
+            </a:extLst>
+          </a:blip>
+          <a:srcRect/>
+          <a:stretch>
+            <a:fillRect/>
+          </a:stretch>
+        </p:blipFill>
+        <p:spPr bwMode="auto">
+          <a:xfrm>
+            <a:off x="3563292" y="1961658"/>
+            <a:ext cx="8585166" cy="3945655"/>
+          </a:xfrm>
+          <a:prstGeom prst="rect">
+            <a:avLst/>
+          </a:prstGeom>
+          <a:noFill/>
+          <a:extLst>
+            <a:ext uri="{909E8E84-426E-40DD-AFC4-6F175D3DCCD1}">
+              <a14:hiddenFill xmlns:a14="http://schemas.microsoft.com/office/drawing/2010/main">
+                <a:solidFill>
+                  <a:srgbClr val="FFFFFF"/>
+                </a:solidFill>
+              </a14:hiddenFill>
+            </a:ext>
+          </a:extLst>
+        </p:spPr>
+      </p:pic>
+      <p:sp>
+        <p:nvSpPr>
+          <p:cNvPr id="6" name="Content Placeholder 2">
+            <a:extLst>
+              <a:ext uri="{FF2B5EF4-FFF2-40B4-BE49-F238E27FC236}">
+                <a16:creationId xmlns:a16="http://schemas.microsoft.com/office/drawing/2014/main" id="{0B152E25-C275-42AB-84A8-489DB71AC4FE}"/>
+              </a:ext>
+            </a:extLst>
+          </p:cNvPr>
+          <p:cNvSpPr>
+            <a:spLocks noGrp="1"/>
+          </p:cNvSpPr>
+          <p:nvPr>
+            <p:ph idx="1"/>
+          </p:nvPr>
+        </p:nvSpPr>
+        <p:spPr>
+          <a:xfrm>
+            <a:off x="474966" y="2196662"/>
+            <a:ext cx="6880072" cy="3383764"/>
+          </a:xfrm>
+        </p:spPr>
+        <p:txBody>
+          <a:bodyPr>
+            <a:normAutofit/>
+          </a:bodyPr>
+          <a:lstStyle/>
+          <a:p>
+            <a:pPr marL="457200" indent="-457200">
+              <a:lnSpc>
+                <a:spcPct val="150000"/>
+              </a:lnSpc>
+            </a:pPr>
+            <a:r>
+              <a:rPr lang="en-US" sz="4400" dirty="0">
+                <a:latin typeface="Franklin Gothic Demi" panose="020B0703020102020204" pitchFamily="34" charset="0"/>
+              </a:rPr>
+              <a:t>Recover</a:t>
+            </a:r>
+          </a:p>
+          <a:p>
+            <a:pPr marL="457200" indent="-457200">
+              <a:lnSpc>
+                <a:spcPct val="150000"/>
+              </a:lnSpc>
+            </a:pPr>
+            <a:r>
+              <a:rPr lang="en-US" sz="4400" dirty="0">
+                <a:latin typeface="Franklin Gothic Demi" panose="020B0703020102020204" pitchFamily="34" charset="0"/>
+              </a:rPr>
+              <a:t>Compare</a:t>
+            </a:r>
+          </a:p>
+          <a:p>
+            <a:pPr marL="457200" indent="-457200">
+              <a:lnSpc>
+                <a:spcPct val="150000"/>
+              </a:lnSpc>
+            </a:pPr>
+            <a:r>
+              <a:rPr lang="en-US" sz="4400" dirty="0">
+                <a:latin typeface="Franklin Gothic Demi" panose="020B0703020102020204" pitchFamily="34" charset="0"/>
+              </a:rPr>
+              <a:t>Share</a:t>
+            </a:r>
+          </a:p>
+        </p:txBody>
+      </p:sp>
+    </p:spTree>
+    <p:extLst>
+      <p:ext uri="{BB962C8B-B14F-4D97-AF65-F5344CB8AC3E}">
+        <p14:creationId xmlns:p14="http://schemas.microsoft.com/office/powerpoint/2010/main" val="4025498945"/>
+      </p:ext>
+    </p:extLst>
+  </p:cSld>
+  <p:clrMapOvr>
+    <a:masterClrMapping/>
+  </p:clrMapOvr>
+</p:sld>
+</file>
+
+<file path=ppt/slides/slide6.xml><?xml version="1.0" encoding="utf-8"?>
+<p:sld xmlns:a="http://schemas.openxmlformats.org/drawingml/2006/main" xmlns:r="http://schemas.openxmlformats.org/officeDocument/2006/relationships" xmlns:p="http://schemas.openxmlformats.org/presentationml/2006/main">
+  <p:cSld>
     <p:bg>
       <p:bgPr>
         <a:solidFill>
@@ -5956,7 +6318,7 @@
 </p:sld>
 </file>
 
-<file path=ppt/slides/slide6.xml><?xml version="1.0" encoding="utf-8"?>
+<file path=ppt/slides/slide7.xml><?xml version="1.0" encoding="utf-8"?>
 <p:sld xmlns:a="http://schemas.openxmlformats.org/drawingml/2006/main" xmlns:r="http://schemas.openxmlformats.org/officeDocument/2006/relationships" xmlns:p="http://schemas.openxmlformats.org/presentationml/2006/main">
   <p:cSld>
     <p:spTree>
@@ -6138,135 +6500,6 @@
 </p:sld>
 </file>
 
-<file path=ppt/slides/slide7.xml><?xml version="1.0" encoding="utf-8"?>
-<p:sld xmlns:a="http://schemas.openxmlformats.org/drawingml/2006/main" xmlns:r="http://schemas.openxmlformats.org/officeDocument/2006/relationships" xmlns:p="http://schemas.openxmlformats.org/presentationml/2006/main">
-  <p:cSld>
-    <p:spTree>
-      <p:nvGrpSpPr>
-        <p:cNvPr id="1" name=""/>
-        <p:cNvGrpSpPr/>
-        <p:nvPr/>
-      </p:nvGrpSpPr>
-      <p:grpSpPr>
-        <a:xfrm>
-          <a:off x="0" y="0"/>
-          <a:ext cx="0" cy="0"/>
-          <a:chOff x="0" y="0"/>
-          <a:chExt cx="0" cy="0"/>
-        </a:xfrm>
-      </p:grpSpPr>
-      <p:sp>
-        <p:nvSpPr>
-          <p:cNvPr id="2" name="Title 1">
-            <a:extLst>
-              <a:ext uri="{FF2B5EF4-FFF2-40B4-BE49-F238E27FC236}">
-                <a16:creationId xmlns:a16="http://schemas.microsoft.com/office/drawing/2014/main" id="{74E5DEFF-74FD-48F4-8C21-AC0D333A9FD0}"/>
-              </a:ext>
-            </a:extLst>
-          </p:cNvPr>
-          <p:cNvSpPr>
-            <a:spLocks noGrp="1"/>
-          </p:cNvSpPr>
-          <p:nvPr>
-            <p:ph type="title"/>
-          </p:nvPr>
-        </p:nvSpPr>
-        <p:spPr/>
-        <p:txBody>
-          <a:bodyPr>
-            <a:normAutofit/>
-          </a:bodyPr>
-          <a:lstStyle/>
-          <a:p>
-            <a:r>
-              <a:rPr lang="en-US" sz="8000" dirty="0">
-                <a:latin typeface="Franklin Gothic Heavy" panose="020B0903020102020204" pitchFamily="34" charset="0"/>
-              </a:rPr>
-              <a:t>Getting Started</a:t>
-            </a:r>
-          </a:p>
-        </p:txBody>
-      </p:sp>
-      <p:sp>
-        <p:nvSpPr>
-          <p:cNvPr id="3" name="Content Placeholder 2">
-            <a:extLst>
-              <a:ext uri="{FF2B5EF4-FFF2-40B4-BE49-F238E27FC236}">
-                <a16:creationId xmlns:a16="http://schemas.microsoft.com/office/drawing/2014/main" id="{6BABDC4D-2A33-48CD-B296-82EE41ADB6AF}"/>
-              </a:ext>
-            </a:extLst>
-          </p:cNvPr>
-          <p:cNvSpPr>
-            <a:spLocks noGrp="1"/>
-          </p:cNvSpPr>
-          <p:nvPr>
-            <p:ph idx="1"/>
-          </p:nvPr>
-        </p:nvSpPr>
-        <p:spPr/>
-        <p:txBody>
-          <a:bodyPr>
-            <a:normAutofit/>
-          </a:bodyPr>
-          <a:lstStyle/>
-          <a:p>
-            <a:pPr marL="739775" indent="-739775">
-              <a:lnSpc>
-                <a:spcPct val="110000"/>
-              </a:lnSpc>
-            </a:pPr>
-            <a:r>
-              <a:rPr lang="en-US" sz="7200" dirty="0">
-                <a:hlinkClick r:id="rId3"/>
-              </a:rPr>
-              <a:t>Install git</a:t>
-            </a:r>
-            <a:endParaRPr lang="en-US" sz="7200" dirty="0"/>
-          </a:p>
-          <a:p>
-            <a:pPr marL="739775" indent="-739775">
-              <a:lnSpc>
-                <a:spcPct val="110000"/>
-              </a:lnSpc>
-            </a:pPr>
-            <a:r>
-              <a:rPr lang="en-US" sz="7200" dirty="0"/>
-              <a:t>Register on </a:t>
-            </a:r>
-            <a:r>
-              <a:rPr lang="en-US" sz="7200" dirty="0">
-                <a:hlinkClick r:id="rId4"/>
-              </a:rPr>
-              <a:t>GitHub</a:t>
-            </a:r>
-            <a:endParaRPr lang="en-US" sz="7200" dirty="0"/>
-          </a:p>
-          <a:p>
-            <a:pPr marL="739775" indent="-739775">
-              <a:lnSpc>
-                <a:spcPct val="110000"/>
-              </a:lnSpc>
-            </a:pPr>
-            <a:r>
-              <a:rPr lang="en-US" sz="7200" dirty="0"/>
-              <a:t>Verify e-mail</a:t>
-            </a:r>
-          </a:p>
-        </p:txBody>
-      </p:sp>
-    </p:spTree>
-    <p:extLst>
-      <p:ext uri="{BB962C8B-B14F-4D97-AF65-F5344CB8AC3E}">
-        <p14:creationId xmlns:p14="http://schemas.microsoft.com/office/powerpoint/2010/main" val="2592880752"/>
-      </p:ext>
-    </p:extLst>
-  </p:cSld>
-  <p:clrMapOvr>
-    <a:masterClrMapping/>
-  </p:clrMapOvr>
-</p:sld>
-</file>
-
 <file path=ppt/slides/slide8.xml><?xml version="1.0" encoding="utf-8"?>
 <p:sld xmlns:a="http://schemas.openxmlformats.org/drawingml/2006/main" xmlns:r="http://schemas.openxmlformats.org/officeDocument/2006/relationships" xmlns:p="http://schemas.openxmlformats.org/presentationml/2006/main">
   <p:cSld>
@@ -6284,212 +6517,101 @@
           <a:chExt cx="0" cy="0"/>
         </a:xfrm>
       </p:grpSpPr>
-      <p:pic>
-        <p:nvPicPr>
-          <p:cNvPr id="1026" name="Picture 2" descr="Image result for git commit push">
-            <a:extLst>
-              <a:ext uri="{FF2B5EF4-FFF2-40B4-BE49-F238E27FC236}">
-                <a16:creationId xmlns:a16="http://schemas.microsoft.com/office/drawing/2014/main" id="{AF200D44-C4DA-427B-80A2-4DE4ED8ECA8B}"/>
-              </a:ext>
-            </a:extLst>
-          </p:cNvPr>
-          <p:cNvPicPr>
-            <a:picLocks noChangeAspect="1" noChangeArrowheads="1"/>
-          </p:cNvPicPr>
-          <p:nvPr/>
-        </p:nvPicPr>
-        <p:blipFill>
-          <a:blip r:embed="rId2">
-            <a:extLst>
-              <a:ext uri="{28A0092B-C50C-407E-A947-70E740481C1C}">
-                <a14:useLocalDpi xmlns:a14="http://schemas.microsoft.com/office/drawing/2010/main" val="0"/>
-              </a:ext>
-            </a:extLst>
-          </a:blip>
-          <a:srcRect/>
-          <a:stretch>
-            <a:fillRect/>
-          </a:stretch>
-        </p:blipFill>
-        <p:spPr bwMode="auto">
-          <a:xfrm>
-            <a:off x="3797300" y="0"/>
-            <a:ext cx="8394700" cy="6858000"/>
-          </a:xfrm>
-          <a:prstGeom prst="rect">
-            <a:avLst/>
-          </a:prstGeom>
-          <a:noFill/>
-          <a:extLst>
-            <a:ext uri="{909E8E84-426E-40DD-AFC4-6F175D3DCCD1}">
-              <a14:hiddenFill xmlns:a14="http://schemas.microsoft.com/office/drawing/2010/main">
-                <a:solidFill>
-                  <a:srgbClr val="FFFFFF"/>
-                </a:solidFill>
-              </a14:hiddenFill>
-            </a:ext>
-          </a:extLst>
-        </p:spPr>
-      </p:pic>
-      <p:sp>
-        <p:nvSpPr>
-          <p:cNvPr id="2" name="TextBox 1">
-            <a:extLst>
-              <a:ext uri="{FF2B5EF4-FFF2-40B4-BE49-F238E27FC236}">
-                <a16:creationId xmlns:a16="http://schemas.microsoft.com/office/drawing/2014/main" id="{FED7273D-FED7-49E1-A43C-F11412A4A94B}"/>
-              </a:ext>
-            </a:extLst>
-          </p:cNvPr>
-          <p:cNvSpPr txBox="1"/>
-          <p:nvPr/>
-        </p:nvSpPr>
-        <p:spPr>
-          <a:xfrm>
-            <a:off x="250560" y="346841"/>
-            <a:ext cx="3546740" cy="923330"/>
-          </a:xfrm>
-          <a:prstGeom prst="rect">
-            <a:avLst/>
-          </a:prstGeom>
-          <a:noFill/>
-        </p:spPr>
-        <p:txBody>
-          <a:bodyPr wrap="none" rtlCol="0">
-            <a:spAutoFit/>
+      <p:sp>
+        <p:nvSpPr>
+          <p:cNvPr id="2" name="Title 1">
+            <a:extLst>
+              <a:ext uri="{FF2B5EF4-FFF2-40B4-BE49-F238E27FC236}">
+                <a16:creationId xmlns:a16="http://schemas.microsoft.com/office/drawing/2014/main" id="{74E5DEFF-74FD-48F4-8C21-AC0D333A9FD0}"/>
+              </a:ext>
+            </a:extLst>
+          </p:cNvPr>
+          <p:cNvSpPr>
+            <a:spLocks noGrp="1"/>
+          </p:cNvSpPr>
+          <p:nvPr>
+            <p:ph type="title"/>
+          </p:nvPr>
+        </p:nvSpPr>
+        <p:spPr/>
+        <p:txBody>
+          <a:bodyPr>
+            <a:normAutofit/>
           </a:bodyPr>
           <a:lstStyle/>
           <a:p>
-            <a:pPr algn="ctr"/>
-            <a:r>
-              <a:rPr lang="en-US" sz="5400" dirty="0">
+            <a:r>
+              <a:rPr lang="en-US" sz="8000" dirty="0">
                 <a:latin typeface="Franklin Gothic Heavy" panose="020B0903020102020204" pitchFamily="34" charset="0"/>
               </a:rPr>
-              <a:t>Exercise 1</a:t>
-            </a:r>
-            <a:endParaRPr lang="en-US" sz="5400" dirty="0"/>
-          </a:p>
-        </p:txBody>
-      </p:sp>
-      <p:sp>
-        <p:nvSpPr>
-          <p:cNvPr id="3" name="TextBox 2">
-            <a:extLst>
-              <a:ext uri="{FF2B5EF4-FFF2-40B4-BE49-F238E27FC236}">
-                <a16:creationId xmlns:a16="http://schemas.microsoft.com/office/drawing/2014/main" id="{8A76D6F0-770A-4EB0-83DB-BEEE2878A806}"/>
-              </a:ext>
-            </a:extLst>
-          </p:cNvPr>
-          <p:cNvSpPr txBox="1"/>
-          <p:nvPr/>
-        </p:nvSpPr>
-        <p:spPr>
-          <a:xfrm>
-            <a:off x="548788" y="4740166"/>
-            <a:ext cx="2950295" cy="1323439"/>
-          </a:xfrm>
-          <a:prstGeom prst="rect">
-            <a:avLst/>
-          </a:prstGeom>
-          <a:noFill/>
-        </p:spPr>
-        <p:txBody>
-          <a:bodyPr wrap="none" rtlCol="0">
-            <a:spAutoFit/>
+              <a:t>Getting Started</a:t>
+            </a:r>
+          </a:p>
+        </p:txBody>
+      </p:sp>
+      <p:sp>
+        <p:nvSpPr>
+          <p:cNvPr id="3" name="Content Placeholder 2">
+            <a:extLst>
+              <a:ext uri="{FF2B5EF4-FFF2-40B4-BE49-F238E27FC236}">
+                <a16:creationId xmlns:a16="http://schemas.microsoft.com/office/drawing/2014/main" id="{6BABDC4D-2A33-48CD-B296-82EE41ADB6AF}"/>
+              </a:ext>
+            </a:extLst>
+          </p:cNvPr>
+          <p:cNvSpPr>
+            <a:spLocks noGrp="1"/>
+          </p:cNvSpPr>
+          <p:nvPr>
+            <p:ph idx="1"/>
+          </p:nvPr>
+        </p:nvSpPr>
+        <p:spPr/>
+        <p:txBody>
+          <a:bodyPr>
+            <a:normAutofit/>
           </a:bodyPr>
           <a:lstStyle/>
           <a:p>
-            <a:pPr algn="ctr"/>
-            <a:r>
-              <a:rPr lang="en-US" sz="4000" dirty="0">
-                <a:latin typeface="Franklin Gothic Demi" panose="020B0703020102020204" pitchFamily="34" charset="0"/>
-              </a:rPr>
-              <a:t>Instructions</a:t>
-            </a:r>
-            <a:br>
-              <a:rPr lang="en-US" sz="4000" dirty="0">
-                <a:latin typeface="Franklin Gothic Demi" panose="020B0703020102020204" pitchFamily="34" charset="0"/>
-              </a:rPr>
-            </a:br>
-            <a:r>
-              <a:rPr lang="en-US" sz="4000" dirty="0">
-                <a:latin typeface="Franklin Gothic Demi" panose="020B0703020102020204" pitchFamily="34" charset="0"/>
-              </a:rPr>
-              <a:t>Found </a:t>
-            </a:r>
-            <a:r>
-              <a:rPr lang="en-US" sz="4000" dirty="0">
-                <a:latin typeface="Franklin Gothic Demi" panose="020B0703020102020204" pitchFamily="34" charset="0"/>
+            <a:pPr marL="739775" indent="-739775">
+              <a:lnSpc>
+                <a:spcPct val="110000"/>
+              </a:lnSpc>
+            </a:pPr>
+            <a:r>
+              <a:rPr lang="en-US" sz="7200" dirty="0">
                 <a:hlinkClick r:id="rId3"/>
               </a:rPr>
-              <a:t>HERE</a:t>
-            </a:r>
-            <a:endParaRPr lang="en-US" sz="4000" dirty="0">
-              <a:latin typeface="Franklin Gothic Demi" panose="020B0703020102020204" pitchFamily="34" charset="0"/>
-            </a:endParaRPr>
-          </a:p>
-        </p:txBody>
-      </p:sp>
-      <p:sp>
-        <p:nvSpPr>
-          <p:cNvPr id="5" name="TextBox 4">
-            <a:extLst>
-              <a:ext uri="{FF2B5EF4-FFF2-40B4-BE49-F238E27FC236}">
-                <a16:creationId xmlns:a16="http://schemas.microsoft.com/office/drawing/2014/main" id="{554273EB-C871-42C7-AA63-818586B84A61}"/>
-              </a:ext>
-            </a:extLst>
-          </p:cNvPr>
-          <p:cNvSpPr txBox="1"/>
-          <p:nvPr/>
-        </p:nvSpPr>
-        <p:spPr>
-          <a:xfrm>
-            <a:off x="211580" y="1681729"/>
-            <a:ext cx="3624710" cy="2554545"/>
-          </a:xfrm>
-          <a:prstGeom prst="rect">
-            <a:avLst/>
-          </a:prstGeom>
-          <a:noFill/>
-        </p:spPr>
-        <p:txBody>
-          <a:bodyPr wrap="none" rtlCol="0">
-            <a:spAutoFit/>
-          </a:bodyPr>
-          <a:lstStyle/>
-          <a:p>
-            <a:pPr algn="ctr"/>
-            <a:r>
-              <a:rPr lang="en-US" sz="4000" dirty="0">
-                <a:latin typeface="Franklin Gothic Demi" panose="020B0703020102020204" pitchFamily="34" charset="0"/>
+              <a:t>Install git</a:t>
+            </a:r>
+            <a:endParaRPr lang="en-US" sz="7200" dirty="0"/>
+          </a:p>
+          <a:p>
+            <a:pPr marL="739775" indent="-739775">
+              <a:lnSpc>
+                <a:spcPct val="110000"/>
+              </a:lnSpc>
+            </a:pPr>
+            <a:r>
+              <a:rPr lang="en-US" sz="7200" dirty="0"/>
+              <a:t>Register on </a:t>
+            </a:r>
+            <a:r>
+              <a:rPr lang="en-US" sz="7200" dirty="0">
+                <a:hlinkClick r:id="rId4"/>
               </a:rPr>
-              <a:t>Create a Repo</a:t>
-            </a:r>
-            <a:br>
-              <a:rPr lang="en-US" sz="4000" dirty="0">
-                <a:latin typeface="Franklin Gothic Demi" panose="020B0703020102020204" pitchFamily="34" charset="0"/>
-              </a:rPr>
-            </a:br>
-            <a:br>
-              <a:rPr lang="en-US" sz="4000" dirty="0">
-                <a:latin typeface="Franklin Gothic Demi" panose="020B0703020102020204" pitchFamily="34" charset="0"/>
-              </a:rPr>
-            </a:br>
-            <a:r>
-              <a:rPr lang="en-US" sz="4000" dirty="0">
-                <a:latin typeface="Franklin Gothic Demi" panose="020B0703020102020204" pitchFamily="34" charset="0"/>
-              </a:rPr>
-              <a:t>Clone, Commit,</a:t>
-            </a:r>
-            <a:br>
-              <a:rPr lang="en-US" sz="4000" dirty="0">
-                <a:latin typeface="Franklin Gothic Demi" panose="020B0703020102020204" pitchFamily="34" charset="0"/>
-              </a:rPr>
-            </a:br>
-            <a:r>
-              <a:rPr lang="en-US" sz="4000" dirty="0">
-                <a:latin typeface="Franklin Gothic Demi" panose="020B0703020102020204" pitchFamily="34" charset="0"/>
-              </a:rPr>
-              <a:t>Push</a:t>
+              <a:t>GitHub</a:t>
+            </a:r>
+            <a:endParaRPr lang="en-US" sz="7200" dirty="0"/>
+          </a:p>
+          <a:p>
+            <a:pPr marL="739775" indent="-739775">
+              <a:lnSpc>
+                <a:spcPct val="110000"/>
+              </a:lnSpc>
+            </a:pPr>
+            <a:r>
+              <a:rPr lang="en-US" sz="7200" dirty="0"/>
+              <a:t>Verify e-mail</a:t>
             </a:r>
           </a:p>
         </p:txBody>
@@ -6497,7 +6619,7 @@
     </p:spTree>
     <p:extLst>
       <p:ext uri="{BB962C8B-B14F-4D97-AF65-F5344CB8AC3E}">
-        <p14:creationId xmlns:p14="http://schemas.microsoft.com/office/powerpoint/2010/main" val="577602302"/>
+        <p14:creationId xmlns:p14="http://schemas.microsoft.com/office/powerpoint/2010/main" val="2592880752"/>
       </p:ext>
     </p:extLst>
   </p:cSld>
@@ -6526,10 +6648,10 @@
       </p:grpSpPr>
       <p:pic>
         <p:nvPicPr>
-          <p:cNvPr id="1026" name="Picture 2" descr="https://cdn-images-1.medium.com/max/2000/0*3iJLQaoQI66YJuQk.jpg">
-            <a:extLst>
-              <a:ext uri="{FF2B5EF4-FFF2-40B4-BE49-F238E27FC236}">
-                <a16:creationId xmlns:a16="http://schemas.microsoft.com/office/drawing/2014/main" id="{12DD256B-06D1-4836-A692-52BD21352EE9}"/>
+          <p:cNvPr id="1026" name="Picture 2" descr="Image result for git commit push">
+            <a:extLst>
+              <a:ext uri="{FF2B5EF4-FFF2-40B4-BE49-F238E27FC236}">
+                <a16:creationId xmlns:a16="http://schemas.microsoft.com/office/drawing/2014/main" id="{AF200D44-C4DA-427B-80A2-4DE4ED8ECA8B}"/>
               </a:ext>
             </a:extLst>
           </p:cNvPr>
@@ -6553,8 +6675,8 @@
         </p:blipFill>
         <p:spPr bwMode="auto">
           <a:xfrm>
-            <a:off x="0" y="0"/>
-            <a:ext cx="12192000" cy="6858000"/>
+            <a:off x="3797300" y="0"/>
+            <a:ext cx="8394700" cy="6858000"/>
           </a:xfrm>
           <a:prstGeom prst="rect">
             <a:avLst/>
@@ -6571,10 +6693,173 @@
           </a:extLst>
         </p:spPr>
       </p:pic>
+      <p:sp>
+        <p:nvSpPr>
+          <p:cNvPr id="2" name="TextBox 1">
+            <a:extLst>
+              <a:ext uri="{FF2B5EF4-FFF2-40B4-BE49-F238E27FC236}">
+                <a16:creationId xmlns:a16="http://schemas.microsoft.com/office/drawing/2014/main" id="{FED7273D-FED7-49E1-A43C-F11412A4A94B}"/>
+              </a:ext>
+            </a:extLst>
+          </p:cNvPr>
+          <p:cNvSpPr txBox="1"/>
+          <p:nvPr/>
+        </p:nvSpPr>
+        <p:spPr>
+          <a:xfrm>
+            <a:off x="250560" y="346841"/>
+            <a:ext cx="3546740" cy="923330"/>
+          </a:xfrm>
+          <a:prstGeom prst="rect">
+            <a:avLst/>
+          </a:prstGeom>
+          <a:noFill/>
+        </p:spPr>
+        <p:txBody>
+          <a:bodyPr wrap="none" rtlCol="0">
+            <a:spAutoFit/>
+          </a:bodyPr>
+          <a:lstStyle/>
+          <a:p>
+            <a:pPr algn="ctr"/>
+            <a:r>
+              <a:rPr lang="en-US" sz="5400" dirty="0">
+                <a:latin typeface="Franklin Gothic Heavy" panose="020B0903020102020204" pitchFamily="34" charset="0"/>
+              </a:rPr>
+              <a:t>Exercise 1</a:t>
+            </a:r>
+            <a:endParaRPr lang="en-US" sz="5400" dirty="0"/>
+          </a:p>
+        </p:txBody>
+      </p:sp>
+      <p:sp>
+        <p:nvSpPr>
+          <p:cNvPr id="3" name="TextBox 2">
+            <a:extLst>
+              <a:ext uri="{FF2B5EF4-FFF2-40B4-BE49-F238E27FC236}">
+                <a16:creationId xmlns:a16="http://schemas.microsoft.com/office/drawing/2014/main" id="{8A76D6F0-770A-4EB0-83DB-BEEE2878A806}"/>
+              </a:ext>
+            </a:extLst>
+          </p:cNvPr>
+          <p:cNvSpPr txBox="1"/>
+          <p:nvPr/>
+        </p:nvSpPr>
+        <p:spPr>
+          <a:xfrm>
+            <a:off x="548788" y="4740166"/>
+            <a:ext cx="2950295" cy="1323439"/>
+          </a:xfrm>
+          <a:prstGeom prst="rect">
+            <a:avLst/>
+          </a:prstGeom>
+          <a:noFill/>
+        </p:spPr>
+        <p:txBody>
+          <a:bodyPr wrap="none" rtlCol="0">
+            <a:spAutoFit/>
+          </a:bodyPr>
+          <a:lstStyle/>
+          <a:p>
+            <a:pPr algn="ctr"/>
+            <a:r>
+              <a:rPr lang="en-US" sz="4000" dirty="0">
+                <a:latin typeface="Franklin Gothic Demi" panose="020B0703020102020204" pitchFamily="34" charset="0"/>
+              </a:rPr>
+              <a:t>Instructions</a:t>
+            </a:r>
+            <a:br>
+              <a:rPr lang="en-US" sz="4000" dirty="0">
+                <a:latin typeface="Franklin Gothic Demi" panose="020B0703020102020204" pitchFamily="34" charset="0"/>
+              </a:rPr>
+            </a:br>
+            <a:r>
+              <a:rPr lang="en-US" sz="4000" dirty="0">
+                <a:latin typeface="Franklin Gothic Demi" panose="020B0703020102020204" pitchFamily="34" charset="0"/>
+              </a:rPr>
+              <a:t>Found </a:t>
+            </a:r>
+            <a:r>
+              <a:rPr lang="en-US" sz="4000" dirty="0">
+                <a:latin typeface="Franklin Gothic Demi" panose="020B0703020102020204" pitchFamily="34" charset="0"/>
+                <a:hlinkClick r:id="rId3"/>
+              </a:rPr>
+              <a:t>HERE</a:t>
+            </a:r>
+            <a:endParaRPr lang="en-US" sz="4000" dirty="0">
+              <a:latin typeface="Franklin Gothic Demi" panose="020B0703020102020204" pitchFamily="34" charset="0"/>
+            </a:endParaRPr>
+          </a:p>
+        </p:txBody>
+      </p:sp>
+      <p:sp>
+        <p:nvSpPr>
+          <p:cNvPr id="5" name="TextBox 4">
+            <a:extLst>
+              <a:ext uri="{FF2B5EF4-FFF2-40B4-BE49-F238E27FC236}">
+                <a16:creationId xmlns:a16="http://schemas.microsoft.com/office/drawing/2014/main" id="{554273EB-C871-42C7-AA63-818586B84A61}"/>
+              </a:ext>
+            </a:extLst>
+          </p:cNvPr>
+          <p:cNvSpPr txBox="1"/>
+          <p:nvPr/>
+        </p:nvSpPr>
+        <p:spPr>
+          <a:xfrm>
+            <a:off x="211580" y="1681729"/>
+            <a:ext cx="3624710" cy="2554545"/>
+          </a:xfrm>
+          <a:prstGeom prst="rect">
+            <a:avLst/>
+          </a:prstGeom>
+          <a:noFill/>
+        </p:spPr>
+        <p:txBody>
+          <a:bodyPr wrap="none" rtlCol="0">
+            <a:spAutoFit/>
+          </a:bodyPr>
+          <a:lstStyle/>
+          <a:p>
+            <a:pPr algn="ctr"/>
+            <a:r>
+              <a:rPr lang="en-US" sz="4000" dirty="0">
+                <a:latin typeface="Franklin Gothic Demi" panose="020B0703020102020204" pitchFamily="34" charset="0"/>
+              </a:rPr>
+              <a:t>Create a Repo</a:t>
+            </a:r>
+            <a:br>
+              <a:rPr lang="en-US" sz="4000" dirty="0">
+                <a:latin typeface="Franklin Gothic Demi" panose="020B0703020102020204" pitchFamily="34" charset="0"/>
+              </a:rPr>
+            </a:br>
+            <a:br>
+              <a:rPr lang="en-US" sz="4000" dirty="0">
+                <a:latin typeface="Franklin Gothic Demi" panose="020B0703020102020204" pitchFamily="34" charset="0"/>
+              </a:rPr>
+            </a:br>
+            <a:r>
+              <a:rPr lang="en-US" sz="4000" dirty="0">
+                <a:latin typeface="Franklin Gothic Demi" panose="020B0703020102020204" pitchFamily="34" charset="0"/>
+              </a:rPr>
+              <a:t>Clone, Commit,</a:t>
+            </a:r>
+            <a:br>
+              <a:rPr lang="en-US" sz="4000" dirty="0">
+                <a:latin typeface="Franklin Gothic Demi" panose="020B0703020102020204" pitchFamily="34" charset="0"/>
+              </a:rPr>
+            </a:br>
+            <a:r>
+              <a:rPr lang="en-US" sz="4000" dirty="0">
+                <a:latin typeface="Franklin Gothic Demi" panose="020B0703020102020204" pitchFamily="34" charset="0"/>
+              </a:rPr>
+              <a:t>Push</a:t>
+            </a:r>
+          </a:p>
+        </p:txBody>
+      </p:sp>
     </p:spTree>
     <p:extLst>
       <p:ext uri="{BB962C8B-B14F-4D97-AF65-F5344CB8AC3E}">
-        <p14:creationId xmlns:p14="http://schemas.microsoft.com/office/powerpoint/2010/main" val="2781212354"/>
+        <p14:creationId xmlns:p14="http://schemas.microsoft.com/office/powerpoint/2010/main" val="577602302"/>
       </p:ext>
     </p:extLst>
   </p:cSld>

--- a/Git Gud at Git.pptx
+++ b/Git Gud at Git.pptx
@@ -5,7 +5,7 @@
     <p:sldMasterId id="2147483648" r:id="rId1"/>
   </p:sldMasterIdLst>
   <p:notesMasterIdLst>
-    <p:notesMasterId r:id="rId12"/>
+    <p:notesMasterId r:id="rId14"/>
   </p:notesMasterIdLst>
   <p:sldIdLst>
     <p:sldId id="256" r:id="rId2"/>
@@ -17,7 +17,9 @@
     <p:sldId id="261" r:id="rId8"/>
     <p:sldId id="263" r:id="rId9"/>
     <p:sldId id="264" r:id="rId10"/>
-    <p:sldId id="257" r:id="rId11"/>
+    <p:sldId id="267" r:id="rId11"/>
+    <p:sldId id="266" r:id="rId12"/>
+    <p:sldId id="257" r:id="rId13"/>
   </p:sldIdLst>
   <p:sldSz cx="12192000" cy="6858000"/>
   <p:notesSz cx="6858000" cy="9144000"/>
@@ -130,6 +132,8 @@
             <p14:sldId id="261"/>
             <p14:sldId id="263"/>
             <p14:sldId id="264"/>
+            <p14:sldId id="267"/>
+            <p14:sldId id="266"/>
             <p14:sldId id="257"/>
           </p14:sldIdLst>
         </p14:section>
@@ -140,10 +144,6 @@
     </p:ext>
   </p:extLst>
 </p:presentation>
-</file>
-
-<file path=ppt/revisionInfo.xml><?xml version="1.0" encoding="utf-8"?>
-<p1510:revInfo xmlns:a="http://schemas.openxmlformats.org/drawingml/2006/main" xmlns:r="http://schemas.openxmlformats.org/officeDocument/2006/relationships" xmlns:p1510="http://schemas.microsoft.com/office/powerpoint/2015/10/main"/>
 </file>
 
 <file path=ppt/notesMasters/notesMaster1.xml><?xml version="1.0" encoding="utf-8"?>
@@ -228,7 +228,7 @@
           <a:p>
             <a:fld id="{D22C7FF8-B6BF-42E6-87B9-F9119C9E1264}" type="datetimeFigureOut">
               <a:rPr lang="en-US" smtClean="0"/>
-              <a:t>7/12/2018</a:t>
+              <a:t>8/15/2018</a:t>
             </a:fld>
             <a:endParaRPr lang="en-US" dirty="0"/>
           </a:p>
@@ -1208,7 +1208,7 @@
           <a:p>
             <a:fld id="{2ACC3B57-9C54-4316-895A-185D8B130371}" type="datetimeFigureOut">
               <a:rPr lang="en-US" smtClean="0"/>
-              <a:t>7/12/2018</a:t>
+              <a:t>8/15/2018</a:t>
             </a:fld>
             <a:endParaRPr lang="en-US" dirty="0"/>
           </a:p>
@@ -1406,7 +1406,7 @@
           <a:p>
             <a:fld id="{2ACC3B57-9C54-4316-895A-185D8B130371}" type="datetimeFigureOut">
               <a:rPr lang="en-US" smtClean="0"/>
-              <a:t>7/12/2018</a:t>
+              <a:t>8/15/2018</a:t>
             </a:fld>
             <a:endParaRPr lang="en-US" dirty="0"/>
           </a:p>
@@ -1614,7 +1614,7 @@
           <a:p>
             <a:fld id="{2ACC3B57-9C54-4316-895A-185D8B130371}" type="datetimeFigureOut">
               <a:rPr lang="en-US" smtClean="0"/>
-              <a:t>7/12/2018</a:t>
+              <a:t>8/15/2018</a:t>
             </a:fld>
             <a:endParaRPr lang="en-US" dirty="0"/>
           </a:p>
@@ -1812,7 +1812,7 @@
           <a:p>
             <a:fld id="{2ACC3B57-9C54-4316-895A-185D8B130371}" type="datetimeFigureOut">
               <a:rPr lang="en-US" smtClean="0"/>
-              <a:t>7/12/2018</a:t>
+              <a:t>8/15/2018</a:t>
             </a:fld>
             <a:endParaRPr lang="en-US" dirty="0"/>
           </a:p>
@@ -2087,7 +2087,7 @@
           <a:p>
             <a:fld id="{2ACC3B57-9C54-4316-895A-185D8B130371}" type="datetimeFigureOut">
               <a:rPr lang="en-US" smtClean="0"/>
-              <a:t>7/12/2018</a:t>
+              <a:t>8/15/2018</a:t>
             </a:fld>
             <a:endParaRPr lang="en-US" dirty="0"/>
           </a:p>
@@ -2352,7 +2352,7 @@
           <a:p>
             <a:fld id="{2ACC3B57-9C54-4316-895A-185D8B130371}" type="datetimeFigureOut">
               <a:rPr lang="en-US" smtClean="0"/>
-              <a:t>7/12/2018</a:t>
+              <a:t>8/15/2018</a:t>
             </a:fld>
             <a:endParaRPr lang="en-US" dirty="0"/>
           </a:p>
@@ -2764,7 +2764,7 @@
           <a:p>
             <a:fld id="{2ACC3B57-9C54-4316-895A-185D8B130371}" type="datetimeFigureOut">
               <a:rPr lang="en-US" smtClean="0"/>
-              <a:t>7/12/2018</a:t>
+              <a:t>8/15/2018</a:t>
             </a:fld>
             <a:endParaRPr lang="en-US" dirty="0"/>
           </a:p>
@@ -2905,7 +2905,7 @@
           <a:p>
             <a:fld id="{2ACC3B57-9C54-4316-895A-185D8B130371}" type="datetimeFigureOut">
               <a:rPr lang="en-US" smtClean="0"/>
-              <a:t>7/12/2018</a:t>
+              <a:t>8/15/2018</a:t>
             </a:fld>
             <a:endParaRPr lang="en-US" dirty="0"/>
           </a:p>
@@ -3018,7 +3018,7 @@
           <a:p>
             <a:fld id="{2ACC3B57-9C54-4316-895A-185D8B130371}" type="datetimeFigureOut">
               <a:rPr lang="en-US" smtClean="0"/>
-              <a:t>7/12/2018</a:t>
+              <a:t>8/15/2018</a:t>
             </a:fld>
             <a:endParaRPr lang="en-US" dirty="0"/>
           </a:p>
@@ -3329,7 +3329,7 @@
           <a:p>
             <a:fld id="{2ACC3B57-9C54-4316-895A-185D8B130371}" type="datetimeFigureOut">
               <a:rPr lang="en-US" smtClean="0"/>
-              <a:t>7/12/2018</a:t>
+              <a:t>8/15/2018</a:t>
             </a:fld>
             <a:endParaRPr lang="en-US" dirty="0"/>
           </a:p>
@@ -3617,7 +3617,7 @@
           <a:p>
             <a:fld id="{2ACC3B57-9C54-4316-895A-185D8B130371}" type="datetimeFigureOut">
               <a:rPr lang="en-US" smtClean="0"/>
-              <a:t>7/12/2018</a:t>
+              <a:t>8/15/2018</a:t>
             </a:fld>
             <a:endParaRPr lang="en-US" dirty="0"/>
           </a:p>
@@ -3858,7 +3858,7 @@
           <a:p>
             <a:fld id="{2ACC3B57-9C54-4316-895A-185D8B130371}" type="datetimeFigureOut">
               <a:rPr lang="en-US" smtClean="0"/>
-              <a:t>7/12/2018</a:t>
+              <a:t>8/15/2018</a:t>
             </a:fld>
             <a:endParaRPr lang="en-US" dirty="0"/>
           </a:p>
@@ -4487,6 +4487,511 @@
           <a:chExt cx="0" cy="0"/>
         </a:xfrm>
       </p:grpSpPr>
+      <p:sp>
+        <p:nvSpPr>
+          <p:cNvPr id="2" name="TextBox 1">
+            <a:extLst>
+              <a:ext uri="{FF2B5EF4-FFF2-40B4-BE49-F238E27FC236}">
+                <a16:creationId xmlns:a16="http://schemas.microsoft.com/office/drawing/2014/main" id="{FED7273D-FED7-49E1-A43C-F11412A4A94B}"/>
+              </a:ext>
+            </a:extLst>
+          </p:cNvPr>
+          <p:cNvSpPr txBox="1"/>
+          <p:nvPr/>
+        </p:nvSpPr>
+        <p:spPr>
+          <a:xfrm>
+            <a:off x="250560" y="346841"/>
+            <a:ext cx="3546740" cy="923330"/>
+          </a:xfrm>
+          <a:prstGeom prst="rect">
+            <a:avLst/>
+          </a:prstGeom>
+          <a:noFill/>
+        </p:spPr>
+        <p:txBody>
+          <a:bodyPr wrap="none" rtlCol="0">
+            <a:spAutoFit/>
+          </a:bodyPr>
+          <a:lstStyle/>
+          <a:p>
+            <a:pPr algn="ctr"/>
+            <a:r>
+              <a:rPr lang="en-US" sz="5400" dirty="0">
+                <a:latin typeface="Franklin Gothic Heavy" panose="020B0903020102020204" pitchFamily="34" charset="0"/>
+              </a:rPr>
+              <a:t>Exercise 2</a:t>
+            </a:r>
+            <a:endParaRPr lang="en-US" sz="5400" dirty="0"/>
+          </a:p>
+        </p:txBody>
+      </p:sp>
+      <p:sp>
+        <p:nvSpPr>
+          <p:cNvPr id="3" name="TextBox 2">
+            <a:extLst>
+              <a:ext uri="{FF2B5EF4-FFF2-40B4-BE49-F238E27FC236}">
+                <a16:creationId xmlns:a16="http://schemas.microsoft.com/office/drawing/2014/main" id="{8A76D6F0-770A-4EB0-83DB-BEEE2878A806}"/>
+              </a:ext>
+            </a:extLst>
+          </p:cNvPr>
+          <p:cNvSpPr txBox="1"/>
+          <p:nvPr/>
+        </p:nvSpPr>
+        <p:spPr>
+          <a:xfrm>
+            <a:off x="963164" y="5557052"/>
+            <a:ext cx="2121543" cy="954107"/>
+          </a:xfrm>
+          <a:prstGeom prst="rect">
+            <a:avLst/>
+          </a:prstGeom>
+          <a:noFill/>
+        </p:spPr>
+        <p:txBody>
+          <a:bodyPr wrap="none" rtlCol="0">
+            <a:spAutoFit/>
+          </a:bodyPr>
+          <a:lstStyle/>
+          <a:p>
+            <a:pPr algn="ctr"/>
+            <a:r>
+              <a:rPr lang="en-US" sz="2800" dirty="0">
+                <a:latin typeface="Franklin Gothic Demi" panose="020B0703020102020204" pitchFamily="34" charset="0"/>
+              </a:rPr>
+              <a:t>Instructions</a:t>
+            </a:r>
+            <a:br>
+              <a:rPr lang="en-US" sz="2800" dirty="0">
+                <a:latin typeface="Franklin Gothic Demi" panose="020B0703020102020204" pitchFamily="34" charset="0"/>
+              </a:rPr>
+            </a:br>
+            <a:r>
+              <a:rPr lang="en-US" sz="2800" dirty="0">
+                <a:latin typeface="Franklin Gothic Demi" panose="020B0703020102020204" pitchFamily="34" charset="0"/>
+              </a:rPr>
+              <a:t>Found </a:t>
+            </a:r>
+            <a:r>
+              <a:rPr lang="en-US" sz="2800" dirty="0">
+                <a:latin typeface="Franklin Gothic Demi" panose="020B0703020102020204" pitchFamily="34" charset="0"/>
+                <a:hlinkClick r:id="rId2"/>
+              </a:rPr>
+              <a:t>HERE</a:t>
+            </a:r>
+            <a:endParaRPr lang="en-US" sz="2800" dirty="0">
+              <a:latin typeface="Franklin Gothic Demi" panose="020B0703020102020204" pitchFamily="34" charset="0"/>
+            </a:endParaRPr>
+          </a:p>
+        </p:txBody>
+      </p:sp>
+      <p:sp>
+        <p:nvSpPr>
+          <p:cNvPr id="5" name="TextBox 4">
+            <a:extLst>
+              <a:ext uri="{FF2B5EF4-FFF2-40B4-BE49-F238E27FC236}">
+                <a16:creationId xmlns:a16="http://schemas.microsoft.com/office/drawing/2014/main" id="{554273EB-C871-42C7-AA63-818586B84A61}"/>
+              </a:ext>
+            </a:extLst>
+          </p:cNvPr>
+          <p:cNvSpPr txBox="1"/>
+          <p:nvPr/>
+        </p:nvSpPr>
+        <p:spPr>
+          <a:xfrm>
+            <a:off x="307123" y="2721114"/>
+            <a:ext cx="3433633" cy="707886"/>
+          </a:xfrm>
+          <a:prstGeom prst="rect">
+            <a:avLst/>
+          </a:prstGeom>
+          <a:noFill/>
+        </p:spPr>
+        <p:txBody>
+          <a:bodyPr wrap="none" rtlCol="0">
+            <a:spAutoFit/>
+          </a:bodyPr>
+          <a:lstStyle/>
+          <a:p>
+            <a:pPr algn="ctr"/>
+            <a:r>
+              <a:rPr lang="en-US" sz="4000" dirty="0">
+                <a:latin typeface="Franklin Gothic Demi" panose="020B0703020102020204" pitchFamily="34" charset="0"/>
+              </a:rPr>
+              <a:t>Git in </a:t>
+            </a:r>
+            <a:r>
+              <a:rPr lang="en-US" sz="4000" dirty="0" err="1">
+                <a:latin typeface="Franklin Gothic Demi" panose="020B0703020102020204" pitchFamily="34" charset="0"/>
+              </a:rPr>
+              <a:t>RStudio</a:t>
+            </a:r>
+            <a:r>
+              <a:rPr lang="en-US" sz="4000" dirty="0">
+                <a:latin typeface="Franklin Gothic Demi" panose="020B0703020102020204" pitchFamily="34" charset="0"/>
+              </a:rPr>
+              <a:t>!</a:t>
+            </a:r>
+          </a:p>
+        </p:txBody>
+      </p:sp>
+      <p:pic>
+        <p:nvPicPr>
+          <p:cNvPr id="7" name="Picture 6">
+            <a:extLst>
+              <a:ext uri="{FF2B5EF4-FFF2-40B4-BE49-F238E27FC236}">
+                <a16:creationId xmlns:a16="http://schemas.microsoft.com/office/drawing/2014/main" id="{8C30BC0E-80E4-4C3F-9C02-A87AFBD59B4B}"/>
+              </a:ext>
+            </a:extLst>
+          </p:cNvPr>
+          <p:cNvPicPr>
+            <a:picLocks noChangeAspect="1"/>
+          </p:cNvPicPr>
+          <p:nvPr/>
+        </p:nvPicPr>
+        <p:blipFill>
+          <a:blip r:embed="rId3">
+            <a:extLst>
+              <a:ext uri="{28A0092B-C50C-407E-A947-70E740481C1C}">
+                <a14:useLocalDpi xmlns:a14="http://schemas.microsoft.com/office/drawing/2010/main" val="0"/>
+              </a:ext>
+            </a:extLst>
+          </a:blip>
+          <a:stretch>
+            <a:fillRect/>
+          </a:stretch>
+        </p:blipFill>
+        <p:spPr>
+          <a:xfrm>
+            <a:off x="4551449" y="269218"/>
+            <a:ext cx="7389225" cy="6140781"/>
+          </a:xfrm>
+          <a:prstGeom prst="rect">
+            <a:avLst/>
+          </a:prstGeom>
+        </p:spPr>
+      </p:pic>
+    </p:spTree>
+    <p:extLst>
+      <p:ext uri="{BB962C8B-B14F-4D97-AF65-F5344CB8AC3E}">
+        <p14:creationId xmlns:p14="http://schemas.microsoft.com/office/powerpoint/2010/main" val="3297557694"/>
+      </p:ext>
+    </p:extLst>
+  </p:cSld>
+  <p:clrMapOvr>
+    <a:masterClrMapping/>
+  </p:clrMapOvr>
+</p:sld>
+</file>
+
+<file path=ppt/slides/slide11.xml><?xml version="1.0" encoding="utf-8"?>
+<p:sld xmlns:a="http://schemas.openxmlformats.org/drawingml/2006/main" xmlns:r="http://schemas.openxmlformats.org/officeDocument/2006/relationships" xmlns:p="http://schemas.openxmlformats.org/presentationml/2006/main">
+  <p:cSld>
+    <p:spTree>
+      <p:nvGrpSpPr>
+        <p:cNvPr id="1" name=""/>
+        <p:cNvGrpSpPr/>
+        <p:nvPr/>
+      </p:nvGrpSpPr>
+      <p:grpSpPr>
+        <a:xfrm>
+          <a:off x="0" y="0"/>
+          <a:ext cx="0" cy="0"/>
+          <a:chOff x="0" y="0"/>
+          <a:chExt cx="0" cy="0"/>
+        </a:xfrm>
+      </p:grpSpPr>
+      <p:pic>
+        <p:nvPicPr>
+          <p:cNvPr id="1026" name="Picture 2" descr="Image result for git commit push">
+            <a:extLst>
+              <a:ext uri="{FF2B5EF4-FFF2-40B4-BE49-F238E27FC236}">
+                <a16:creationId xmlns:a16="http://schemas.microsoft.com/office/drawing/2014/main" id="{AF200D44-C4DA-427B-80A2-4DE4ED8ECA8B}"/>
+              </a:ext>
+            </a:extLst>
+          </p:cNvPr>
+          <p:cNvPicPr>
+            <a:picLocks noChangeAspect="1" noChangeArrowheads="1"/>
+          </p:cNvPicPr>
+          <p:nvPr/>
+        </p:nvPicPr>
+        <p:blipFill>
+          <a:blip r:embed="rId2">
+            <a:extLst>
+              <a:ext uri="{28A0092B-C50C-407E-A947-70E740481C1C}">
+                <a14:useLocalDpi xmlns:a14="http://schemas.microsoft.com/office/drawing/2010/main" val="0"/>
+              </a:ext>
+            </a:extLst>
+          </a:blip>
+          <a:srcRect/>
+          <a:stretch>
+            <a:fillRect/>
+          </a:stretch>
+        </p:blipFill>
+        <p:spPr bwMode="auto">
+          <a:xfrm>
+            <a:off x="3797300" y="0"/>
+            <a:ext cx="8394700" cy="6858000"/>
+          </a:xfrm>
+          <a:prstGeom prst="rect">
+            <a:avLst/>
+          </a:prstGeom>
+          <a:noFill/>
+          <a:extLst>
+            <a:ext uri="{909E8E84-426E-40DD-AFC4-6F175D3DCCD1}">
+              <a14:hiddenFill xmlns:a14="http://schemas.microsoft.com/office/drawing/2010/main">
+                <a:solidFill>
+                  <a:srgbClr val="FFFFFF"/>
+                </a:solidFill>
+              </a14:hiddenFill>
+            </a:ext>
+          </a:extLst>
+        </p:spPr>
+      </p:pic>
+      <p:sp>
+        <p:nvSpPr>
+          <p:cNvPr id="2" name="TextBox 1">
+            <a:extLst>
+              <a:ext uri="{FF2B5EF4-FFF2-40B4-BE49-F238E27FC236}">
+                <a16:creationId xmlns:a16="http://schemas.microsoft.com/office/drawing/2014/main" id="{FED7273D-FED7-49E1-A43C-F11412A4A94B}"/>
+              </a:ext>
+            </a:extLst>
+          </p:cNvPr>
+          <p:cNvSpPr txBox="1"/>
+          <p:nvPr/>
+        </p:nvSpPr>
+        <p:spPr>
+          <a:xfrm>
+            <a:off x="250560" y="346841"/>
+            <a:ext cx="3546740" cy="923330"/>
+          </a:xfrm>
+          <a:prstGeom prst="rect">
+            <a:avLst/>
+          </a:prstGeom>
+          <a:noFill/>
+        </p:spPr>
+        <p:txBody>
+          <a:bodyPr wrap="none" rtlCol="0">
+            <a:spAutoFit/>
+          </a:bodyPr>
+          <a:lstStyle/>
+          <a:p>
+            <a:pPr algn="ctr"/>
+            <a:r>
+              <a:rPr lang="en-US" sz="5400" dirty="0">
+                <a:latin typeface="Franklin Gothic Heavy" panose="020B0903020102020204" pitchFamily="34" charset="0"/>
+              </a:rPr>
+              <a:t>Exercise 3</a:t>
+            </a:r>
+            <a:endParaRPr lang="en-US" sz="5400" dirty="0"/>
+          </a:p>
+        </p:txBody>
+      </p:sp>
+      <p:sp>
+        <p:nvSpPr>
+          <p:cNvPr id="3" name="TextBox 2">
+            <a:extLst>
+              <a:ext uri="{FF2B5EF4-FFF2-40B4-BE49-F238E27FC236}">
+                <a16:creationId xmlns:a16="http://schemas.microsoft.com/office/drawing/2014/main" id="{8A76D6F0-770A-4EB0-83DB-BEEE2878A806}"/>
+              </a:ext>
+            </a:extLst>
+          </p:cNvPr>
+          <p:cNvSpPr txBox="1"/>
+          <p:nvPr/>
+        </p:nvSpPr>
+        <p:spPr>
+          <a:xfrm>
+            <a:off x="963164" y="5557052"/>
+            <a:ext cx="2121543" cy="954107"/>
+          </a:xfrm>
+          <a:prstGeom prst="rect">
+            <a:avLst/>
+          </a:prstGeom>
+          <a:noFill/>
+        </p:spPr>
+        <p:txBody>
+          <a:bodyPr wrap="none" rtlCol="0">
+            <a:spAutoFit/>
+          </a:bodyPr>
+          <a:lstStyle/>
+          <a:p>
+            <a:pPr algn="ctr"/>
+            <a:r>
+              <a:rPr lang="en-US" sz="2800" dirty="0">
+                <a:latin typeface="Franklin Gothic Demi" panose="020B0703020102020204" pitchFamily="34" charset="0"/>
+              </a:rPr>
+              <a:t>Instructions</a:t>
+            </a:r>
+            <a:br>
+              <a:rPr lang="en-US" sz="2800" dirty="0">
+                <a:latin typeface="Franklin Gothic Demi" panose="020B0703020102020204" pitchFamily="34" charset="0"/>
+              </a:rPr>
+            </a:br>
+            <a:r>
+              <a:rPr lang="en-US" sz="2800" dirty="0">
+                <a:latin typeface="Franklin Gothic Demi" panose="020B0703020102020204" pitchFamily="34" charset="0"/>
+              </a:rPr>
+              <a:t>Found </a:t>
+            </a:r>
+            <a:r>
+              <a:rPr lang="en-US" sz="2800" dirty="0">
+                <a:latin typeface="Franklin Gothic Demi" panose="020B0703020102020204" pitchFamily="34" charset="0"/>
+                <a:hlinkClick r:id="rId3"/>
+              </a:rPr>
+              <a:t>HERE</a:t>
+            </a:r>
+            <a:endParaRPr lang="en-US" sz="2800" dirty="0">
+              <a:latin typeface="Franklin Gothic Demi" panose="020B0703020102020204" pitchFamily="34" charset="0"/>
+            </a:endParaRPr>
+          </a:p>
+        </p:txBody>
+      </p:sp>
+      <p:sp>
+        <p:nvSpPr>
+          <p:cNvPr id="5" name="TextBox 4">
+            <a:extLst>
+              <a:ext uri="{FF2B5EF4-FFF2-40B4-BE49-F238E27FC236}">
+                <a16:creationId xmlns:a16="http://schemas.microsoft.com/office/drawing/2014/main" id="{554273EB-C871-42C7-AA63-818586B84A61}"/>
+              </a:ext>
+            </a:extLst>
+          </p:cNvPr>
+          <p:cNvSpPr txBox="1"/>
+          <p:nvPr/>
+        </p:nvSpPr>
+        <p:spPr>
+          <a:xfrm>
+            <a:off x="96969" y="2136339"/>
+            <a:ext cx="3853939" cy="2554545"/>
+          </a:xfrm>
+          <a:prstGeom prst="rect">
+            <a:avLst/>
+          </a:prstGeom>
+          <a:noFill/>
+        </p:spPr>
+        <p:txBody>
+          <a:bodyPr wrap="none" rtlCol="0">
+            <a:spAutoFit/>
+          </a:bodyPr>
+          <a:lstStyle/>
+          <a:p>
+            <a:pPr algn="ctr"/>
+            <a:r>
+              <a:rPr lang="en-US" sz="4000" dirty="0">
+                <a:latin typeface="Franklin Gothic Demi" panose="020B0703020102020204" pitchFamily="34" charset="0"/>
+              </a:rPr>
+              <a:t>Collaboration</a:t>
+            </a:r>
+          </a:p>
+          <a:p>
+            <a:pPr algn="ctr"/>
+            <a:endParaRPr lang="en-US" sz="4000" dirty="0">
+              <a:latin typeface="Franklin Gothic Demi" panose="020B0703020102020204" pitchFamily="34" charset="0"/>
+            </a:endParaRPr>
+          </a:p>
+          <a:p>
+            <a:pPr algn="ctr"/>
+            <a:r>
+              <a:rPr lang="en-US" sz="4000" dirty="0">
+                <a:latin typeface="Franklin Gothic Demi" panose="020B0703020102020204" pitchFamily="34" charset="0"/>
+              </a:rPr>
+              <a:t>Cloning, Pulling,</a:t>
+            </a:r>
+            <a:br>
+              <a:rPr lang="en-US" sz="4000" dirty="0">
+                <a:latin typeface="Franklin Gothic Demi" panose="020B0703020102020204" pitchFamily="34" charset="0"/>
+              </a:rPr>
+            </a:br>
+            <a:r>
+              <a:rPr lang="en-US" sz="4000" dirty="0">
+                <a:latin typeface="Franklin Gothic Demi" panose="020B0703020102020204" pitchFamily="34" charset="0"/>
+              </a:rPr>
+              <a:t>Reset (Restore)</a:t>
+            </a:r>
+          </a:p>
+        </p:txBody>
+      </p:sp>
+      <p:sp>
+        <p:nvSpPr>
+          <p:cNvPr id="4" name="Rectangle 3">
+            <a:extLst>
+              <a:ext uri="{FF2B5EF4-FFF2-40B4-BE49-F238E27FC236}">
+                <a16:creationId xmlns:a16="http://schemas.microsoft.com/office/drawing/2014/main" id="{DA838888-BC2A-46B5-A7C1-CCE30362CEDD}"/>
+              </a:ext>
+            </a:extLst>
+          </p:cNvPr>
+          <p:cNvSpPr/>
+          <p:nvPr/>
+        </p:nvSpPr>
+        <p:spPr>
+          <a:xfrm>
+            <a:off x="4603898" y="744279"/>
+            <a:ext cx="7155711" cy="1531088"/>
+          </a:xfrm>
+          <a:prstGeom prst="rect">
+            <a:avLst/>
+          </a:prstGeom>
+          <a:noFill/>
+          <a:ln w="38100">
+            <a:solidFill>
+              <a:srgbClr val="FF0000"/>
+            </a:solidFill>
+          </a:ln>
+        </p:spPr>
+        <p:style>
+          <a:lnRef idx="2">
+            <a:schemeClr val="accent1">
+              <a:shade val="50000"/>
+            </a:schemeClr>
+          </a:lnRef>
+          <a:fillRef idx="1">
+            <a:schemeClr val="accent1"/>
+          </a:fillRef>
+          <a:effectRef idx="0">
+            <a:schemeClr val="accent1"/>
+          </a:effectRef>
+          <a:fontRef idx="minor">
+            <a:schemeClr val="lt1"/>
+          </a:fontRef>
+        </p:style>
+        <p:txBody>
+          <a:bodyPr rtlCol="0" anchor="ctr"/>
+          <a:lstStyle/>
+          <a:p>
+            <a:pPr algn="ctr"/>
+            <a:endParaRPr lang="en-US"/>
+          </a:p>
+        </p:txBody>
+      </p:sp>
+    </p:spTree>
+    <p:extLst>
+      <p:ext uri="{BB962C8B-B14F-4D97-AF65-F5344CB8AC3E}">
+        <p14:creationId xmlns:p14="http://schemas.microsoft.com/office/powerpoint/2010/main" val="2585277204"/>
+      </p:ext>
+    </p:extLst>
+  </p:cSld>
+  <p:clrMapOvr>
+    <a:masterClrMapping/>
+  </p:clrMapOvr>
+</p:sld>
+</file>
+
+<file path=ppt/slides/slide12.xml><?xml version="1.0" encoding="utf-8"?>
+<p:sld xmlns:a="http://schemas.openxmlformats.org/drawingml/2006/main" xmlns:r="http://schemas.openxmlformats.org/officeDocument/2006/relationships" xmlns:p="http://schemas.openxmlformats.org/presentationml/2006/main">
+  <p:cSld>
+    <p:spTree>
+      <p:nvGrpSpPr>
+        <p:cNvPr id="1" name=""/>
+        <p:cNvGrpSpPr/>
+        <p:nvPr/>
+      </p:nvGrpSpPr>
+      <p:grpSpPr>
+        <a:xfrm>
+          <a:off x="0" y="0"/>
+          <a:ext cx="0" cy="0"/>
+          <a:chOff x="0" y="0"/>
+          <a:chExt cx="0" cy="0"/>
+        </a:xfrm>
+      </p:grpSpPr>
       <p:pic>
         <p:nvPicPr>
           <p:cNvPr id="1026" name="Picture 2" descr="https://cdn-images-1.medium.com/max/2000/0*3iJLQaoQI66YJuQk.jpg">
@@ -6746,8 +7251,8 @@
         </p:nvSpPr>
         <p:spPr>
           <a:xfrm>
-            <a:off x="548788" y="4740166"/>
-            <a:ext cx="2950295" cy="1323439"/>
+            <a:off x="963164" y="5557052"/>
+            <a:ext cx="2121543" cy="954107"/>
           </a:xfrm>
           <a:prstGeom prst="rect">
             <a:avLst/>
@@ -6762,30 +7267,30 @@
           <a:p>
             <a:pPr algn="ctr"/>
             <a:r>
-              <a:rPr lang="en-US" sz="4000" dirty="0">
+              <a:rPr lang="en-US" sz="2800" dirty="0">
                 <a:latin typeface="Franklin Gothic Demi" panose="020B0703020102020204" pitchFamily="34" charset="0"/>
               </a:rPr>
               <a:t>Instructions</a:t>
             </a:r>
             <a:br>
-              <a:rPr lang="en-US" sz="4000" dirty="0">
+              <a:rPr lang="en-US" sz="2800" dirty="0">
                 <a:latin typeface="Franklin Gothic Demi" panose="020B0703020102020204" pitchFamily="34" charset="0"/>
               </a:rPr>
             </a:br>
             <a:r>
-              <a:rPr lang="en-US" sz="4000" dirty="0">
+              <a:rPr lang="en-US" sz="2800" dirty="0">
                 <a:latin typeface="Franklin Gothic Demi" panose="020B0703020102020204" pitchFamily="34" charset="0"/>
               </a:rPr>
               <a:t>Found </a:t>
             </a:r>
             <a:r>
-              <a:rPr lang="en-US" sz="4000" dirty="0">
+              <a:rPr lang="en-US" sz="2800" dirty="0">
                 <a:latin typeface="Franklin Gothic Demi" panose="020B0703020102020204" pitchFamily="34" charset="0"/>
                 <a:hlinkClick r:id="rId3"/>
               </a:rPr>
               <a:t>HERE</a:t>
             </a:r>
-            <a:endParaRPr lang="en-US" sz="4000" dirty="0">
+            <a:endParaRPr lang="en-US" sz="2800" dirty="0">
               <a:latin typeface="Franklin Gothic Demi" panose="020B0703020102020204" pitchFamily="34" charset="0"/>
             </a:endParaRPr>
           </a:p>
@@ -6805,7 +7310,7 @@
         </p:nvSpPr>
         <p:spPr>
           <a:xfrm>
-            <a:off x="211580" y="1681729"/>
+            <a:off x="211580" y="2151727"/>
             <a:ext cx="3624710" cy="2554545"/>
           </a:xfrm>
           <a:prstGeom prst="rect">
@@ -6853,6 +7358,58 @@
               </a:rPr>
               <a:t>Push</a:t>
             </a:r>
+          </a:p>
+        </p:txBody>
+      </p:sp>
+      <p:sp>
+        <p:nvSpPr>
+          <p:cNvPr id="4" name="Rectangle 3">
+            <a:extLst>
+              <a:ext uri="{FF2B5EF4-FFF2-40B4-BE49-F238E27FC236}">
+                <a16:creationId xmlns:a16="http://schemas.microsoft.com/office/drawing/2014/main" id="{DA838888-BC2A-46B5-A7C1-CCE30362CEDD}"/>
+              </a:ext>
+            </a:extLst>
+          </p:cNvPr>
+          <p:cNvSpPr/>
+          <p:nvPr/>
+        </p:nvSpPr>
+        <p:spPr>
+          <a:xfrm>
+            <a:off x="4603898" y="4582633"/>
+            <a:ext cx="7155711" cy="1956390"/>
+          </a:xfrm>
+          <a:prstGeom prst="rect">
+            <a:avLst/>
+          </a:prstGeom>
+          <a:noFill/>
+          <a:ln w="38100">
+            <a:solidFill>
+              <a:srgbClr val="FF0000"/>
+            </a:solidFill>
+          </a:ln>
+        </p:spPr>
+        <p:style>
+          <a:lnRef idx="2">
+            <a:schemeClr val="accent1">
+              <a:shade val="50000"/>
+            </a:schemeClr>
+          </a:lnRef>
+          <a:fillRef idx="1">
+            <a:schemeClr val="accent1"/>
+          </a:fillRef>
+          <a:effectRef idx="0">
+            <a:schemeClr val="accent1"/>
+          </a:effectRef>
+          <a:fontRef idx="minor">
+            <a:schemeClr val="lt1"/>
+          </a:fontRef>
+        </p:style>
+        <p:txBody>
+          <a:bodyPr rtlCol="0" anchor="ctr"/>
+          <a:lstStyle/>
+          <a:p>
+            <a:pPr algn="ctr"/>
+            <a:endParaRPr lang="en-US"/>
           </a:p>
         </p:txBody>
       </p:sp>
